--- a/docs/diagrams/ModelComponentClassBetterOopDiagram.pptx
+++ b/docs/diagrams/ModelComponentClassBetterOopDiagram.pptx
@@ -208,7 +208,7 @@
           <a:p>
             <a:fld id="{F5CC4B3F-88C1-4FFA-B1B6-F41C21DC6924}" type="datetimeFigureOut">
               <a:rPr lang="en-US" smtClean="0"/>
-              <a:t>6/27/2018</a:t>
+              <a:t>10/2/2018</a:t>
             </a:fld>
             <a:endParaRPr lang="en-US"/>
           </a:p>
@@ -654,7 +654,7 @@
           <a:p>
             <a:fld id="{78C97017-6FC3-485B-9764-EAC9E56C1D49}" type="datetimeFigureOut">
               <a:rPr lang="en-US" smtClean="0"/>
-              <a:t>6/27/2018</a:t>
+              <a:t>10/2/2018</a:t>
             </a:fld>
             <a:endParaRPr lang="en-US"/>
           </a:p>
@@ -822,7 +822,7 @@
           <a:p>
             <a:fld id="{78C97017-6FC3-485B-9764-EAC9E56C1D49}" type="datetimeFigureOut">
               <a:rPr lang="en-US" smtClean="0"/>
-              <a:t>6/27/2018</a:t>
+              <a:t>10/2/2018</a:t>
             </a:fld>
             <a:endParaRPr lang="en-US"/>
           </a:p>
@@ -1000,7 +1000,7 @@
           <a:p>
             <a:fld id="{78C97017-6FC3-485B-9764-EAC9E56C1D49}" type="datetimeFigureOut">
               <a:rPr lang="en-US" smtClean="0"/>
-              <a:t>6/27/2018</a:t>
+              <a:t>10/2/2018</a:t>
             </a:fld>
             <a:endParaRPr lang="en-US"/>
           </a:p>
@@ -1168,7 +1168,7 @@
           <a:p>
             <a:fld id="{78C97017-6FC3-485B-9764-EAC9E56C1D49}" type="datetimeFigureOut">
               <a:rPr lang="en-US" smtClean="0"/>
-              <a:t>6/27/2018</a:t>
+              <a:t>10/2/2018</a:t>
             </a:fld>
             <a:endParaRPr lang="en-US"/>
           </a:p>
@@ -1413,7 +1413,7 @@
           <a:p>
             <a:fld id="{78C97017-6FC3-485B-9764-EAC9E56C1D49}" type="datetimeFigureOut">
               <a:rPr lang="en-US" smtClean="0"/>
-              <a:t>6/27/2018</a:t>
+              <a:t>10/2/2018</a:t>
             </a:fld>
             <a:endParaRPr lang="en-US"/>
           </a:p>
@@ -1698,7 +1698,7 @@
           <a:p>
             <a:fld id="{78C97017-6FC3-485B-9764-EAC9E56C1D49}" type="datetimeFigureOut">
               <a:rPr lang="en-US" smtClean="0"/>
-              <a:t>6/27/2018</a:t>
+              <a:t>10/2/2018</a:t>
             </a:fld>
             <a:endParaRPr lang="en-US"/>
           </a:p>
@@ -2117,7 +2117,7 @@
           <a:p>
             <a:fld id="{78C97017-6FC3-485B-9764-EAC9E56C1D49}" type="datetimeFigureOut">
               <a:rPr lang="en-US" smtClean="0"/>
-              <a:t>6/27/2018</a:t>
+              <a:t>10/2/2018</a:t>
             </a:fld>
             <a:endParaRPr lang="en-US"/>
           </a:p>
@@ -2234,7 +2234,7 @@
           <a:p>
             <a:fld id="{78C97017-6FC3-485B-9764-EAC9E56C1D49}" type="datetimeFigureOut">
               <a:rPr lang="en-US" smtClean="0"/>
-              <a:t>6/27/2018</a:t>
+              <a:t>10/2/2018</a:t>
             </a:fld>
             <a:endParaRPr lang="en-US"/>
           </a:p>
@@ -2329,7 +2329,7 @@
           <a:p>
             <a:fld id="{78C97017-6FC3-485B-9764-EAC9E56C1D49}" type="datetimeFigureOut">
               <a:rPr lang="en-US" smtClean="0"/>
-              <a:t>6/27/2018</a:t>
+              <a:t>10/2/2018</a:t>
             </a:fld>
             <a:endParaRPr lang="en-US"/>
           </a:p>
@@ -2604,7 +2604,7 @@
           <a:p>
             <a:fld id="{78C97017-6FC3-485B-9764-EAC9E56C1D49}" type="datetimeFigureOut">
               <a:rPr lang="en-US" smtClean="0"/>
-              <a:t>6/27/2018</a:t>
+              <a:t>10/2/2018</a:t>
             </a:fld>
             <a:endParaRPr lang="en-US"/>
           </a:p>
@@ -2856,7 +2856,7 @@
           <a:p>
             <a:fld id="{78C97017-6FC3-485B-9764-EAC9E56C1D49}" type="datetimeFigureOut">
               <a:rPr lang="en-US" smtClean="0"/>
-              <a:t>6/27/2018</a:t>
+              <a:t>10/2/2018</a:t>
             </a:fld>
             <a:endParaRPr lang="en-US"/>
           </a:p>
@@ -3067,7 +3067,7 @@
           <a:p>
             <a:fld id="{78C97017-6FC3-485B-9764-EAC9E56C1D49}" type="datetimeFigureOut">
               <a:rPr lang="en-US" smtClean="0"/>
-              <a:t>6/27/2018</a:t>
+              <a:t>10/2/2018</a:t>
             </a:fld>
             <a:endParaRPr lang="en-US"/>
           </a:p>
@@ -3442,2555 +3442,3011 @@
           <a:chExt cx="0" cy="0"/>
         </a:xfrm>
       </p:grpSpPr>
-      <p:sp>
-        <p:nvSpPr>
-          <p:cNvPr id="118" name="Rectangle 65"/>
-          <p:cNvSpPr/>
+      <p:grpSp>
+        <p:nvGrpSpPr>
+          <p:cNvPr id="27" name="Group 26">
+            <a:extLst>
+              <a:ext uri="{FF2B5EF4-FFF2-40B4-BE49-F238E27FC236}">
+                <a16:creationId xmlns:a16="http://schemas.microsoft.com/office/drawing/2014/main" id="{1594D6CB-A13E-4764-AB32-8E7665BB4743}"/>
+              </a:ext>
+            </a:extLst>
+          </p:cNvPr>
+          <p:cNvGrpSpPr/>
           <p:nvPr/>
-        </p:nvSpPr>
-        <p:spPr>
+        </p:nvGrpSpPr>
+        <p:grpSpPr>
           <a:xfrm>
-            <a:off x="1119865" y="1676400"/>
-            <a:ext cx="7490735" cy="3059747"/>
+            <a:off x="910091" y="1676400"/>
+            <a:ext cx="7700509" cy="3059747"/>
+            <a:chOff x="910091" y="1676400"/>
+            <a:chExt cx="7700509" cy="3059747"/>
           </a:xfrm>
-          <a:prstGeom prst="roundRect">
-            <a:avLst>
-              <a:gd name="adj" fmla="val 3484"/>
-            </a:avLst>
-          </a:prstGeom>
-          <a:solidFill>
-            <a:schemeClr val="accent4">
-              <a:lumMod val="20000"/>
-              <a:lumOff val="80000"/>
-            </a:schemeClr>
-          </a:solidFill>
-          <a:ln w="19050">
-            <a:noFill/>
-          </a:ln>
-          <a:effectLst/>
-        </p:spPr>
-        <p:style>
-          <a:lnRef idx="1">
-            <a:schemeClr val="accent2"/>
-          </a:lnRef>
-          <a:fillRef idx="2">
-            <a:schemeClr val="accent2"/>
-          </a:fillRef>
-          <a:effectRef idx="1">
-            <a:schemeClr val="accent2"/>
-          </a:effectRef>
-          <a:fontRef idx="minor">
-            <a:schemeClr val="dk1"/>
-          </a:fontRef>
-        </p:style>
-        <p:txBody>
-          <a:bodyPr rtlCol="0" anchor="t"/>
-          <a:lstStyle/>
-          <a:p>
-            <a:r>
-              <a:rPr lang="en-US" sz="1200" b="1" dirty="0">
+        </p:grpSpPr>
+        <p:sp>
+          <p:nvSpPr>
+            <p:cNvPr id="118" name="Rectangle 65"/>
+            <p:cNvSpPr/>
+            <p:nvPr/>
+          </p:nvSpPr>
+          <p:spPr>
+            <a:xfrm>
+              <a:off x="1119865" y="1676400"/>
+              <a:ext cx="7490735" cy="3059747"/>
+            </a:xfrm>
+            <a:prstGeom prst="roundRect">
+              <a:avLst>
+                <a:gd name="adj" fmla="val 3484"/>
+              </a:avLst>
+            </a:prstGeom>
+            <a:solidFill>
+              <a:schemeClr val="accent4">
+                <a:lumMod val="20000"/>
+                <a:lumOff val="80000"/>
+              </a:schemeClr>
+            </a:solidFill>
+            <a:ln w="19050">
+              <a:noFill/>
+            </a:ln>
+            <a:effectLst/>
+          </p:spPr>
+          <p:style>
+            <a:lnRef idx="1">
+              <a:schemeClr val="accent2"/>
+            </a:lnRef>
+            <a:fillRef idx="2">
+              <a:schemeClr val="accent2"/>
+            </a:fillRef>
+            <a:effectRef idx="1">
+              <a:schemeClr val="accent2"/>
+            </a:effectRef>
+            <a:fontRef idx="minor">
+              <a:schemeClr val="dk1"/>
+            </a:fontRef>
+          </p:style>
+          <p:txBody>
+            <a:bodyPr rtlCol="0" anchor="t"/>
+            <a:lstStyle/>
+            <a:p>
+              <a:r>
+                <a:rPr lang="en-US" sz="1200" b="1" dirty="0">
+                  <a:solidFill>
+                    <a:srgbClr val="7030A0"/>
+                  </a:solidFill>
+                </a:rPr>
+                <a:t>Model</a:t>
+              </a:r>
+              <a:endParaRPr lang="en-SG" sz="1200" b="1" dirty="0">
                 <a:solidFill>
                   <a:srgbClr val="7030A0"/>
                 </a:solidFill>
-              </a:rPr>
-              <a:t>Model</a:t>
-            </a:r>
-            <a:endParaRPr lang="en-SG" sz="1200" b="1" dirty="0">
+              </a:endParaRPr>
+            </a:p>
+          </p:txBody>
+        </p:sp>
+        <p:sp>
+          <p:nvSpPr>
+            <p:cNvPr id="2" name="Rectangle 8"/>
+            <p:cNvSpPr/>
+            <p:nvPr/>
+          </p:nvSpPr>
+          <p:spPr>
+            <a:xfrm>
+              <a:off x="2877180" y="3463240"/>
+              <a:ext cx="1093635" cy="346760"/>
+            </a:xfrm>
+            <a:prstGeom prst="rect">
+              <a:avLst/>
+            </a:prstGeom>
+            <a:solidFill>
+              <a:srgbClr val="7030A0"/>
+            </a:solidFill>
+            <a:ln w="19050">
               <a:solidFill>
                 <a:srgbClr val="7030A0"/>
               </a:solidFill>
-            </a:endParaRPr>
-          </a:p>
-        </p:txBody>
-      </p:sp>
-      <p:sp>
-        <p:nvSpPr>
-          <p:cNvPr id="2" name="Rectangle 8"/>
-          <p:cNvSpPr/>
-          <p:nvPr/>
-        </p:nvSpPr>
-        <p:spPr>
-          <a:xfrm>
-            <a:off x="2877180" y="3463240"/>
-            <a:ext cx="1093635" cy="346760"/>
-          </a:xfrm>
-          <a:prstGeom prst="rect">
-            <a:avLst/>
-          </a:prstGeom>
-          <a:solidFill>
-            <a:srgbClr val="7030A0"/>
-          </a:solidFill>
-          <a:ln w="19050">
+            </a:ln>
+            <a:effectLst/>
+          </p:spPr>
+          <p:style>
+            <a:lnRef idx="1">
+              <a:schemeClr val="accent2"/>
+            </a:lnRef>
+            <a:fillRef idx="2">
+              <a:schemeClr val="accent2"/>
+            </a:fillRef>
+            <a:effectRef idx="1">
+              <a:schemeClr val="accent2"/>
+            </a:effectRef>
+            <a:fontRef idx="minor">
+              <a:schemeClr val="dk1"/>
+            </a:fontRef>
+          </p:style>
+          <p:txBody>
+            <a:bodyPr rtlCol="0" anchor="ctr"/>
+            <a:lstStyle/>
+            <a:p>
+              <a:pPr algn="ctr"/>
+              <a:r>
+                <a:rPr lang="en-US" sz="1050" dirty="0" err="1">
+                  <a:solidFill>
+                    <a:schemeClr val="bg1"/>
+                  </a:solidFill>
+                </a:rPr>
+                <a:t>UserPref</a:t>
+              </a:r>
+              <a:endParaRPr lang="en-SG" sz="1050" dirty="0">
+                <a:solidFill>
+                  <a:schemeClr val="bg1"/>
+                </a:solidFill>
+              </a:endParaRPr>
+            </a:p>
+          </p:txBody>
+        </p:sp>
+        <p:sp>
+          <p:nvSpPr>
+            <p:cNvPr id="9" name="Rectangle 62"/>
+            <p:cNvSpPr/>
+            <p:nvPr/>
+          </p:nvSpPr>
+          <p:spPr>
+            <a:xfrm rot="16200000">
+              <a:off x="1661548" y="3097750"/>
+              <a:ext cx="1093635" cy="346760"/>
+            </a:xfrm>
+            <a:prstGeom prst="rect">
+              <a:avLst/>
+            </a:prstGeom>
             <a:solidFill>
               <a:srgbClr val="7030A0"/>
             </a:solidFill>
-          </a:ln>
-          <a:effectLst/>
-        </p:spPr>
-        <p:style>
-          <a:lnRef idx="1">
-            <a:schemeClr val="accent2"/>
-          </a:lnRef>
-          <a:fillRef idx="2">
-            <a:schemeClr val="accent2"/>
-          </a:fillRef>
-          <a:effectRef idx="1">
-            <a:schemeClr val="accent2"/>
-          </a:effectRef>
-          <a:fontRef idx="minor">
-            <a:schemeClr val="dk1"/>
-          </a:fontRef>
-        </p:style>
-        <p:txBody>
-          <a:bodyPr rtlCol="0" anchor="ctr"/>
-          <a:lstStyle/>
-          <a:p>
-            <a:pPr algn="ctr"/>
-            <a:r>
-              <a:rPr lang="en-US" sz="1050" dirty="0" err="1">
+            <a:ln w="19050">
+              <a:solidFill>
+                <a:srgbClr val="7030A0"/>
+              </a:solidFill>
+            </a:ln>
+            <a:effectLst/>
+          </p:spPr>
+          <p:style>
+            <a:lnRef idx="1">
+              <a:schemeClr val="accent2"/>
+            </a:lnRef>
+            <a:fillRef idx="2">
+              <a:schemeClr val="accent2"/>
+            </a:fillRef>
+            <a:effectRef idx="1">
+              <a:schemeClr val="accent2"/>
+            </a:effectRef>
+            <a:fontRef idx="minor">
+              <a:schemeClr val="dk1"/>
+            </a:fontRef>
+          </p:style>
+          <p:txBody>
+            <a:bodyPr rtlCol="0" anchor="ctr"/>
+            <a:lstStyle/>
+            <a:p>
+              <a:pPr algn="ctr"/>
+              <a:r>
+                <a:rPr lang="en-US" sz="1050" dirty="0" err="1">
+                  <a:solidFill>
+                    <a:schemeClr val="bg1"/>
+                  </a:solidFill>
+                </a:rPr>
+                <a:t>ModelManager</a:t>
+              </a:r>
+              <a:endParaRPr lang="en-SG" sz="1050" dirty="0">
                 <a:solidFill>
                   <a:schemeClr val="bg1"/>
                 </a:solidFill>
-              </a:rPr>
-              <a:t>UserPref</a:t>
-            </a:r>
-            <a:endParaRPr lang="en-SG" sz="1050" dirty="0">
+              </a:endParaRPr>
+            </a:p>
+          </p:txBody>
+        </p:sp>
+        <p:cxnSp>
+          <p:nvCxnSpPr>
+            <p:cNvPr id="107" name="Elbow Connector 106"/>
+            <p:cNvCxnSpPr>
+              <a:cxnSpLocks/>
+            </p:cNvCxnSpPr>
+            <p:nvPr/>
+          </p:nvCxnSpPr>
+          <p:spPr>
+            <a:xfrm rot="5400000" flipH="1" flipV="1">
+              <a:off x="4155901" y="1308943"/>
+              <a:ext cx="613122" cy="4459404"/>
+            </a:xfrm>
+            <a:prstGeom prst="bentConnector3">
+              <a:avLst>
+                <a:gd name="adj1" fmla="val -26668"/>
+              </a:avLst>
+            </a:prstGeom>
+            <a:ln w="19050">
               <a:solidFill>
-                <a:schemeClr val="bg1"/>
+                <a:srgbClr val="7030A0"/>
               </a:solidFill>
-            </a:endParaRPr>
-          </a:p>
-        </p:txBody>
-      </p:sp>
-      <p:sp>
-        <p:nvSpPr>
-          <p:cNvPr id="9" name="Rectangle 62"/>
-          <p:cNvSpPr/>
-          <p:nvPr/>
-        </p:nvSpPr>
-        <p:spPr>
-          <a:xfrm rot="16200000">
-            <a:off x="1661548" y="3097750"/>
-            <a:ext cx="1093635" cy="346760"/>
-          </a:xfrm>
-          <a:prstGeom prst="rect">
-            <a:avLst/>
-          </a:prstGeom>
-          <a:solidFill>
-            <a:srgbClr val="7030A0"/>
-          </a:solidFill>
-          <a:ln w="19050">
+              <a:prstDash val="solid"/>
+              <a:headEnd type="none" w="med" len="med"/>
+              <a:tailEnd type="arrow" w="med" len="med"/>
+            </a:ln>
+            <a:effectLst/>
+          </p:spPr>
+          <p:style>
+            <a:lnRef idx="1">
+              <a:schemeClr val="accent2"/>
+            </a:lnRef>
+            <a:fillRef idx="2">
+              <a:schemeClr val="accent2"/>
+            </a:fillRef>
+            <a:effectRef idx="1">
+              <a:schemeClr val="accent2"/>
+            </a:effectRef>
+            <a:fontRef idx="minor">
+              <a:schemeClr val="dk1"/>
+            </a:fontRef>
+          </p:style>
+        </p:cxnSp>
+        <p:sp>
+          <p:nvSpPr>
+            <p:cNvPr id="119" name="Rectangle 62"/>
+            <p:cNvSpPr/>
+            <p:nvPr/>
+          </p:nvSpPr>
+          <p:spPr>
+            <a:xfrm rot="16200000">
+              <a:off x="956202" y="2861202"/>
+              <a:ext cx="1093635" cy="346760"/>
+            </a:xfrm>
+            <a:prstGeom prst="rect">
+              <a:avLst/>
+            </a:prstGeom>
             <a:solidFill>
               <a:srgbClr val="7030A0"/>
             </a:solidFill>
-          </a:ln>
-          <a:effectLst/>
-        </p:spPr>
-        <p:style>
-          <a:lnRef idx="1">
-            <a:schemeClr val="accent2"/>
-          </a:lnRef>
-          <a:fillRef idx="2">
-            <a:schemeClr val="accent2"/>
-          </a:fillRef>
-          <a:effectRef idx="1">
-            <a:schemeClr val="accent2"/>
-          </a:effectRef>
-          <a:fontRef idx="minor">
-            <a:schemeClr val="dk1"/>
-          </a:fontRef>
-        </p:style>
-        <p:txBody>
-          <a:bodyPr rtlCol="0" anchor="ctr"/>
-          <a:lstStyle/>
-          <a:p>
-            <a:pPr algn="ctr"/>
-            <a:r>
-              <a:rPr lang="en-US" sz="1050" dirty="0" err="1">
+            <a:ln w="19050">
+              <a:solidFill>
+                <a:srgbClr val="7030A0"/>
+              </a:solidFill>
+            </a:ln>
+            <a:effectLst/>
+          </p:spPr>
+          <p:style>
+            <a:lnRef idx="1">
+              <a:schemeClr val="accent2"/>
+            </a:lnRef>
+            <a:fillRef idx="2">
+              <a:schemeClr val="accent2"/>
+            </a:fillRef>
+            <a:effectRef idx="1">
+              <a:schemeClr val="accent2"/>
+            </a:effectRef>
+            <a:fontRef idx="minor">
+              <a:schemeClr val="dk1"/>
+            </a:fontRef>
+          </p:style>
+          <p:txBody>
+            <a:bodyPr rtlCol="0" anchor="ctr"/>
+            <a:lstStyle/>
+            <a:p>
+              <a:pPr algn="ctr"/>
+              <a:r>
+                <a:rPr lang="en-US" sz="1050" dirty="0">
+                  <a:solidFill>
+                    <a:schemeClr val="bg1"/>
+                  </a:solidFill>
+                </a:rPr>
+                <a:t>&lt;&lt;interface&gt;&gt;</a:t>
+              </a:r>
+            </a:p>
+            <a:p>
+              <a:pPr algn="ctr"/>
+              <a:r>
+                <a:rPr lang="en-US" sz="1050" dirty="0">
+                  <a:solidFill>
+                    <a:schemeClr val="bg1"/>
+                  </a:solidFill>
+                </a:rPr>
+                <a:t>Model</a:t>
+              </a:r>
+              <a:endParaRPr lang="en-SG" sz="1050" dirty="0">
                 <a:solidFill>
                   <a:schemeClr val="bg1"/>
                 </a:solidFill>
-              </a:rPr>
-              <a:t>ModelManager</a:t>
-            </a:r>
-            <a:endParaRPr lang="en-SG" sz="1050" dirty="0">
-              <a:solidFill>
-                <a:schemeClr val="bg1"/>
-              </a:solidFill>
-            </a:endParaRPr>
-          </a:p>
-        </p:txBody>
-      </p:sp>
-      <p:cxnSp>
-        <p:nvCxnSpPr>
-          <p:cNvPr id="107" name="Elbow Connector 106"/>
-          <p:cNvCxnSpPr>
-            <a:cxnSpLocks/>
-          </p:cNvCxnSpPr>
-          <p:nvPr/>
-        </p:nvCxnSpPr>
-        <p:spPr>
-          <a:xfrm rot="5400000" flipH="1" flipV="1">
-            <a:off x="4155901" y="1308943"/>
-            <a:ext cx="613122" cy="4459404"/>
-          </a:xfrm>
-          <a:prstGeom prst="bentConnector3">
-            <a:avLst>
-              <a:gd name="adj1" fmla="val -26668"/>
-            </a:avLst>
-          </a:prstGeom>
-          <a:ln w="19050">
+              </a:endParaRPr>
+            </a:p>
+          </p:txBody>
+        </p:sp>
+        <p:sp>
+          <p:nvSpPr>
+            <p:cNvPr id="120" name="Isosceles Triangle 102"/>
+            <p:cNvSpPr/>
+            <p:nvPr/>
+          </p:nvSpPr>
+          <p:spPr>
+            <a:xfrm rot="16200000">
+              <a:off x="1626910" y="2952291"/>
+              <a:ext cx="270504" cy="175523"/>
+            </a:xfrm>
+            <a:prstGeom prst="triangle">
+              <a:avLst/>
+            </a:prstGeom>
             <a:solidFill>
               <a:srgbClr val="7030A0"/>
             </a:solidFill>
-            <a:prstDash val="solid"/>
-            <a:headEnd type="none" w="med" len="med"/>
-            <a:tailEnd type="arrow" w="med" len="med"/>
-          </a:ln>
-          <a:effectLst/>
-        </p:spPr>
-        <p:style>
-          <a:lnRef idx="1">
-            <a:schemeClr val="accent2"/>
-          </a:lnRef>
-          <a:fillRef idx="2">
-            <a:schemeClr val="accent2"/>
-          </a:fillRef>
-          <a:effectRef idx="1">
-            <a:schemeClr val="accent2"/>
-          </a:effectRef>
-          <a:fontRef idx="minor">
-            <a:schemeClr val="dk1"/>
-          </a:fontRef>
-        </p:style>
-      </p:cxnSp>
-      <p:sp>
-        <p:nvSpPr>
-          <p:cNvPr id="119" name="Rectangle 62"/>
-          <p:cNvSpPr/>
-          <p:nvPr/>
-        </p:nvSpPr>
-        <p:spPr>
-          <a:xfrm rot="16200000">
-            <a:off x="956202" y="2861202"/>
-            <a:ext cx="1093635" cy="346760"/>
-          </a:xfrm>
-          <a:prstGeom prst="rect">
-            <a:avLst/>
-          </a:prstGeom>
-          <a:solidFill>
-            <a:srgbClr val="7030A0"/>
-          </a:solidFill>
-          <a:ln w="19050">
+            <a:ln w="19050">
+              <a:solidFill>
+                <a:srgbClr val="7030A0"/>
+              </a:solidFill>
+            </a:ln>
+            <a:effectLst/>
+          </p:spPr>
+          <p:style>
+            <a:lnRef idx="1">
+              <a:schemeClr val="accent6"/>
+            </a:lnRef>
+            <a:fillRef idx="2">
+              <a:schemeClr val="accent6"/>
+            </a:fillRef>
+            <a:effectRef idx="1">
+              <a:schemeClr val="accent6"/>
+            </a:effectRef>
+            <a:fontRef idx="minor">
+              <a:schemeClr val="dk1"/>
+            </a:fontRef>
+          </p:style>
+          <p:txBody>
+            <a:bodyPr rtlCol="0" anchor="ctr"/>
+            <a:lstStyle/>
+            <a:p>
+              <a:pPr algn="ctr"/>
+              <a:endParaRPr lang="en-SG" sz="1050"/>
+            </a:p>
+          </p:txBody>
+        </p:sp>
+        <p:cxnSp>
+          <p:nvCxnSpPr>
+            <p:cNvPr id="58" name="Straight Arrow Connector 57"/>
+            <p:cNvCxnSpPr>
+              <a:stCxn id="42" idx="3"/>
+              <a:endCxn id="2" idx="1"/>
+            </p:cNvCxnSpPr>
+            <p:nvPr/>
+          </p:nvCxnSpPr>
+          <p:spPr>
+            <a:xfrm>
+              <a:off x="2609828" y="3636620"/>
+              <a:ext cx="267352" cy="0"/>
+            </a:xfrm>
+            <a:prstGeom prst="straightConnector1">
+              <a:avLst/>
+            </a:prstGeom>
+            <a:ln w="19050">
+              <a:solidFill>
+                <a:srgbClr val="7030A0"/>
+              </a:solidFill>
+              <a:headEnd type="none" w="med" len="med"/>
+              <a:tailEnd type="arrow" w="med" len="med"/>
+            </a:ln>
+            <a:effectLst/>
+          </p:spPr>
+          <p:style>
+            <a:lnRef idx="1">
+              <a:schemeClr val="accent2"/>
+            </a:lnRef>
+            <a:fillRef idx="2">
+              <a:schemeClr val="accent2"/>
+            </a:fillRef>
+            <a:effectRef idx="1">
+              <a:schemeClr val="accent2"/>
+            </a:effectRef>
+            <a:fontRef idx="minor">
+              <a:schemeClr val="dk1"/>
+            </a:fontRef>
+          </p:style>
+        </p:cxnSp>
+        <p:cxnSp>
+          <p:nvCxnSpPr>
+            <p:cNvPr id="75" name="Elbow Connector 122"/>
+            <p:cNvCxnSpPr/>
+            <p:nvPr/>
+          </p:nvCxnSpPr>
+          <p:spPr>
+            <a:xfrm>
+              <a:off x="910091" y="3040053"/>
+              <a:ext cx="419548" cy="2860"/>
+            </a:xfrm>
+            <a:prstGeom prst="bentConnector3">
+              <a:avLst>
+                <a:gd name="adj1" fmla="val 50000"/>
+              </a:avLst>
+            </a:prstGeom>
+            <a:ln w="19050">
+              <a:solidFill>
+                <a:schemeClr val="bg1">
+                  <a:lumMod val="75000"/>
+                </a:schemeClr>
+              </a:solidFill>
+              <a:prstDash val="sysDot"/>
+              <a:headEnd type="none" w="med" len="med"/>
+              <a:tailEnd type="arrow" w="med" len="med"/>
+            </a:ln>
+            <a:effectLst/>
+          </p:spPr>
+          <p:style>
+            <a:lnRef idx="1">
+              <a:schemeClr val="accent2"/>
+            </a:lnRef>
+            <a:fillRef idx="2">
+              <a:schemeClr val="accent2"/>
+            </a:fillRef>
+            <a:effectRef idx="1">
+              <a:schemeClr val="accent2"/>
+            </a:effectRef>
+            <a:fontRef idx="minor">
+              <a:schemeClr val="dk1"/>
+            </a:fontRef>
+          </p:style>
+        </p:cxnSp>
+        <p:cxnSp>
+          <p:nvCxnSpPr>
+            <p:cNvPr id="21" name="Straight Connector 20"/>
+            <p:cNvCxnSpPr>
+              <a:stCxn id="120" idx="3"/>
+            </p:cNvCxnSpPr>
+            <p:nvPr/>
+          </p:nvCxnSpPr>
+          <p:spPr>
+            <a:xfrm flipV="1">
+              <a:off x="1849924" y="3040052"/>
+              <a:ext cx="216105" cy="1"/>
+            </a:xfrm>
+            <a:prstGeom prst="line">
+              <a:avLst/>
+            </a:prstGeom>
+            <a:ln w="19050">
+              <a:solidFill>
+                <a:srgbClr val="7030A0"/>
+              </a:solidFill>
+              <a:prstDash val="sysDot"/>
+              <a:headEnd type="none" w="med" len="med"/>
+              <a:tailEnd type="none" w="med" len="med"/>
+            </a:ln>
+            <a:effectLst/>
+          </p:spPr>
+          <p:style>
+            <a:lnRef idx="1">
+              <a:schemeClr val="accent2"/>
+            </a:lnRef>
+            <a:fillRef idx="2">
+              <a:schemeClr val="accent2"/>
+            </a:fillRef>
+            <a:effectRef idx="1">
+              <a:schemeClr val="accent2"/>
+            </a:effectRef>
+            <a:fontRef idx="minor">
+              <a:schemeClr val="dk1"/>
+            </a:fontRef>
+          </p:style>
+        </p:cxnSp>
+        <p:sp>
+          <p:nvSpPr>
+            <p:cNvPr id="42" name="Flowchart: Decision 96"/>
+            <p:cNvSpPr/>
+            <p:nvPr/>
+          </p:nvSpPr>
+          <p:spPr>
+            <a:xfrm>
+              <a:off x="2373780" y="3549930"/>
+              <a:ext cx="236048" cy="173380"/>
+            </a:xfrm>
+            <a:prstGeom prst="flowChartDecision">
+              <a:avLst/>
+            </a:prstGeom>
+            <a:noFill/>
+            <a:ln w="19050">
+              <a:solidFill>
+                <a:srgbClr val="7030A0"/>
+              </a:solidFill>
+            </a:ln>
+            <a:effectLst/>
+          </p:spPr>
+          <p:style>
+            <a:lnRef idx="1">
+              <a:schemeClr val="accent6"/>
+            </a:lnRef>
+            <a:fillRef idx="2">
+              <a:schemeClr val="accent6"/>
+            </a:fillRef>
+            <a:effectRef idx="1">
+              <a:schemeClr val="accent6"/>
+            </a:effectRef>
+            <a:fontRef idx="minor">
+              <a:schemeClr val="dk1"/>
+            </a:fontRef>
+          </p:style>
+          <p:txBody>
+            <a:bodyPr rtlCol="0" anchor="ctr"/>
+            <a:lstStyle/>
+            <a:p>
+              <a:pPr algn="ctr"/>
+              <a:endParaRPr lang="en-US" sz="1050"/>
+            </a:p>
+          </p:txBody>
+        </p:sp>
+        <p:sp>
+          <p:nvSpPr>
+            <p:cNvPr id="46" name="Rectangle 8"/>
+            <p:cNvSpPr/>
+            <p:nvPr/>
+          </p:nvSpPr>
+          <p:spPr>
+            <a:xfrm>
+              <a:off x="2786406" y="2834911"/>
+              <a:ext cx="1447688" cy="346760"/>
+            </a:xfrm>
+            <a:prstGeom prst="rect">
+              <a:avLst/>
+            </a:prstGeom>
+            <a:ln w="19050">
+              <a:solidFill>
+                <a:srgbClr val="7030A0"/>
+              </a:solidFill>
+            </a:ln>
+            <a:effectLst/>
+          </p:spPr>
+          <p:style>
+            <a:lnRef idx="1">
+              <a:schemeClr val="accent4"/>
+            </a:lnRef>
+            <a:fillRef idx="2">
+              <a:schemeClr val="accent4"/>
+            </a:fillRef>
+            <a:effectRef idx="1">
+              <a:schemeClr val="accent4"/>
+            </a:effectRef>
+            <a:fontRef idx="minor">
+              <a:schemeClr val="dk1"/>
+            </a:fontRef>
+          </p:style>
+          <p:txBody>
+            <a:bodyPr rtlCol="0" anchor="ctr"/>
+            <a:lstStyle/>
+            <a:p>
+              <a:pPr algn="ctr"/>
+              <a:r>
+                <a:rPr lang="en-US" sz="1050" dirty="0" err="1">
+                  <a:solidFill>
+                    <a:srgbClr val="7030A0"/>
+                  </a:solidFill>
+                </a:rPr>
+                <a:t>VersionedAddressBook</a:t>
+              </a:r>
+              <a:endParaRPr lang="en-SG" sz="1050" dirty="0">
+                <a:solidFill>
+                  <a:srgbClr val="7030A0"/>
+                </a:solidFill>
+              </a:endParaRPr>
+            </a:p>
+          </p:txBody>
+        </p:sp>
+        <p:cxnSp>
+          <p:nvCxnSpPr>
+            <p:cNvPr id="47" name="Straight Arrow Connector 46"/>
+            <p:cNvCxnSpPr>
+              <a:stCxn id="48" idx="3"/>
+              <a:endCxn id="46" idx="1"/>
+            </p:cNvCxnSpPr>
+            <p:nvPr/>
+          </p:nvCxnSpPr>
+          <p:spPr>
+            <a:xfrm>
+              <a:off x="2624360" y="3003033"/>
+              <a:ext cx="162046" cy="5258"/>
+            </a:xfrm>
+            <a:prstGeom prst="straightConnector1">
+              <a:avLst/>
+            </a:prstGeom>
+            <a:ln w="19050">
+              <a:solidFill>
+                <a:srgbClr val="7030A0"/>
+              </a:solidFill>
+              <a:headEnd type="none" w="med" len="med"/>
+              <a:tailEnd type="arrow" w="med" len="med"/>
+            </a:ln>
+            <a:effectLst/>
+          </p:spPr>
+          <p:style>
+            <a:lnRef idx="1">
+              <a:schemeClr val="accent2"/>
+            </a:lnRef>
+            <a:fillRef idx="2">
+              <a:schemeClr val="accent2"/>
+            </a:fillRef>
+            <a:effectRef idx="1">
+              <a:schemeClr val="accent2"/>
+            </a:effectRef>
+            <a:fontRef idx="minor">
+              <a:schemeClr val="dk1"/>
+            </a:fontRef>
+          </p:style>
+        </p:cxnSp>
+        <p:sp>
+          <p:nvSpPr>
+            <p:cNvPr id="48" name="Flowchart: Decision 96"/>
+            <p:cNvSpPr/>
+            <p:nvPr/>
+          </p:nvSpPr>
+          <p:spPr>
+            <a:xfrm>
+              <a:off x="2388312" y="2916343"/>
+              <a:ext cx="236048" cy="173380"/>
+            </a:xfrm>
+            <a:prstGeom prst="flowChartDecision">
+              <a:avLst/>
+            </a:prstGeom>
+            <a:noFill/>
+            <a:ln w="19050">
+              <a:solidFill>
+                <a:srgbClr val="7030A0"/>
+              </a:solidFill>
+            </a:ln>
+            <a:effectLst/>
+          </p:spPr>
+          <p:style>
+            <a:lnRef idx="1">
+              <a:schemeClr val="accent6"/>
+            </a:lnRef>
+            <a:fillRef idx="2">
+              <a:schemeClr val="accent6"/>
+            </a:fillRef>
+            <a:effectRef idx="1">
+              <a:schemeClr val="accent6"/>
+            </a:effectRef>
+            <a:fontRef idx="minor">
+              <a:schemeClr val="dk1"/>
+            </a:fontRef>
+          </p:style>
+          <p:txBody>
+            <a:bodyPr rtlCol="0" anchor="ctr"/>
+            <a:lstStyle/>
+            <a:p>
+              <a:pPr algn="ctr"/>
+              <a:endParaRPr lang="en-US" sz="1050"/>
+            </a:p>
+          </p:txBody>
+        </p:sp>
+        <p:sp>
+          <p:nvSpPr>
+            <p:cNvPr id="49" name="Rectangle 8"/>
+            <p:cNvSpPr/>
+            <p:nvPr/>
+          </p:nvSpPr>
+          <p:spPr>
+            <a:xfrm>
+              <a:off x="4762209" y="2863434"/>
+              <a:ext cx="1156969" cy="346760"/>
+            </a:xfrm>
+            <a:prstGeom prst="rect">
+              <a:avLst/>
+            </a:prstGeom>
+            <a:ln w="19050">
+              <a:solidFill>
+                <a:srgbClr val="7030A0"/>
+              </a:solidFill>
+            </a:ln>
+            <a:effectLst/>
+          </p:spPr>
+          <p:style>
+            <a:lnRef idx="1">
+              <a:schemeClr val="accent4"/>
+            </a:lnRef>
+            <a:fillRef idx="2">
+              <a:schemeClr val="accent4"/>
+            </a:fillRef>
+            <a:effectRef idx="1">
+              <a:schemeClr val="accent4"/>
+            </a:effectRef>
+            <a:fontRef idx="minor">
+              <a:schemeClr val="dk1"/>
+            </a:fontRef>
+          </p:style>
+          <p:txBody>
+            <a:bodyPr rtlCol="0" anchor="ctr"/>
+            <a:lstStyle/>
+            <a:p>
+              <a:pPr algn="ctr"/>
+              <a:r>
+                <a:rPr lang="en-US" sz="1050" dirty="0" err="1">
+                  <a:solidFill>
+                    <a:srgbClr val="7030A0"/>
+                  </a:solidFill>
+                </a:rPr>
+                <a:t>UniquePersonList</a:t>
+              </a:r>
+              <a:endParaRPr lang="en-SG" sz="1050" dirty="0">
+                <a:solidFill>
+                  <a:srgbClr val="7030A0"/>
+                </a:solidFill>
+              </a:endParaRPr>
+            </a:p>
+          </p:txBody>
+        </p:sp>
+        <p:sp>
+          <p:nvSpPr>
+            <p:cNvPr id="51" name="Flowchart: Decision 96"/>
+            <p:cNvSpPr/>
+            <p:nvPr/>
+          </p:nvSpPr>
+          <p:spPr>
+            <a:xfrm>
+              <a:off x="4233246" y="2948201"/>
+              <a:ext cx="236048" cy="173380"/>
+            </a:xfrm>
+            <a:prstGeom prst="flowChartDecision">
+              <a:avLst/>
+            </a:prstGeom>
             <a:solidFill>
               <a:srgbClr val="7030A0"/>
             </a:solidFill>
-          </a:ln>
-          <a:effectLst/>
-        </p:spPr>
-        <p:style>
-          <a:lnRef idx="1">
-            <a:schemeClr val="accent2"/>
-          </a:lnRef>
-          <a:fillRef idx="2">
-            <a:schemeClr val="accent2"/>
-          </a:fillRef>
-          <a:effectRef idx="1">
-            <a:schemeClr val="accent2"/>
-          </a:effectRef>
-          <a:fontRef idx="minor">
-            <a:schemeClr val="dk1"/>
-          </a:fontRef>
-        </p:style>
-        <p:txBody>
-          <a:bodyPr rtlCol="0" anchor="ctr"/>
-          <a:lstStyle/>
-          <a:p>
-            <a:pPr algn="ctr"/>
-            <a:r>
-              <a:rPr lang="en-US" sz="1050" dirty="0">
+            <a:ln w="19050">
+              <a:solidFill>
+                <a:srgbClr val="7030A0"/>
+              </a:solidFill>
+            </a:ln>
+            <a:effectLst/>
+          </p:spPr>
+          <p:style>
+            <a:lnRef idx="1">
+              <a:schemeClr val="accent6"/>
+            </a:lnRef>
+            <a:fillRef idx="2">
+              <a:schemeClr val="accent6"/>
+            </a:fillRef>
+            <a:effectRef idx="1">
+              <a:schemeClr val="accent6"/>
+            </a:effectRef>
+            <a:fontRef idx="minor">
+              <a:schemeClr val="dk1"/>
+            </a:fontRef>
+          </p:style>
+          <p:txBody>
+            <a:bodyPr rtlCol="0" anchor="ctr"/>
+            <a:lstStyle/>
+            <a:p>
+              <a:pPr algn="ctr"/>
+              <a:endParaRPr lang="en-US" sz="1050"/>
+            </a:p>
+          </p:txBody>
+        </p:sp>
+        <p:cxnSp>
+          <p:nvCxnSpPr>
+            <p:cNvPr id="30" name="Elbow Connector 29"/>
+            <p:cNvCxnSpPr>
+              <a:stCxn id="51" idx="3"/>
+              <a:endCxn id="49" idx="1"/>
+            </p:cNvCxnSpPr>
+            <p:nvPr/>
+          </p:nvCxnSpPr>
+          <p:spPr>
+            <a:xfrm>
+              <a:off x="4469294" y="3034891"/>
+              <a:ext cx="292915" cy="1923"/>
+            </a:xfrm>
+            <a:prstGeom prst="bentConnector3">
+              <a:avLst/>
+            </a:prstGeom>
+            <a:ln w="19050">
+              <a:solidFill>
+                <a:srgbClr val="7030A0"/>
+              </a:solidFill>
+              <a:headEnd type="none" w="med" len="med"/>
+              <a:tailEnd type="arrow" w="med" len="med"/>
+            </a:ln>
+            <a:effectLst/>
+          </p:spPr>
+          <p:style>
+            <a:lnRef idx="1">
+              <a:schemeClr val="accent2"/>
+            </a:lnRef>
+            <a:fillRef idx="2">
+              <a:schemeClr val="accent2"/>
+            </a:fillRef>
+            <a:effectRef idx="1">
+              <a:schemeClr val="accent2"/>
+            </a:effectRef>
+            <a:fontRef idx="minor">
+              <a:schemeClr val="dk1"/>
+            </a:fontRef>
+          </p:style>
+        </p:cxnSp>
+        <p:sp>
+          <p:nvSpPr>
+            <p:cNvPr id="62" name="Rectangle 8"/>
+            <p:cNvSpPr/>
+            <p:nvPr/>
+          </p:nvSpPr>
+          <p:spPr>
+            <a:xfrm>
+              <a:off x="6313677" y="2858066"/>
+              <a:ext cx="708186" cy="346760"/>
+            </a:xfrm>
+            <a:prstGeom prst="rect">
+              <a:avLst/>
+            </a:prstGeom>
+            <a:ln w="19050">
+              <a:solidFill>
+                <a:srgbClr val="7030A0"/>
+              </a:solidFill>
+            </a:ln>
+            <a:effectLst/>
+          </p:spPr>
+          <p:style>
+            <a:lnRef idx="1">
+              <a:schemeClr val="accent4"/>
+            </a:lnRef>
+            <a:fillRef idx="2">
+              <a:schemeClr val="accent4"/>
+            </a:fillRef>
+            <a:effectRef idx="1">
+              <a:schemeClr val="accent4"/>
+            </a:effectRef>
+            <a:fontRef idx="minor">
+              <a:schemeClr val="dk1"/>
+            </a:fontRef>
+          </p:style>
+          <p:txBody>
+            <a:bodyPr rtlCol="0" anchor="ctr"/>
+            <a:lstStyle/>
+            <a:p>
+              <a:pPr algn="ctr"/>
+              <a:r>
+                <a:rPr lang="en-US" sz="1050" dirty="0">
+                  <a:solidFill>
+                    <a:srgbClr val="7030A0"/>
+                  </a:solidFill>
+                </a:rPr>
+                <a:t>Person</a:t>
+              </a:r>
+              <a:endParaRPr lang="en-SG" sz="1050" dirty="0">
                 <a:solidFill>
-                  <a:schemeClr val="bg1"/>
+                  <a:srgbClr val="7030A0"/>
                 </a:solidFill>
-              </a:rPr>
-              <a:t>&lt;&lt;interface&gt;&gt;</a:t>
-            </a:r>
-          </a:p>
-          <a:p>
-            <a:pPr algn="ctr"/>
-            <a:r>
-              <a:rPr lang="en-US" sz="1050" dirty="0">
+              </a:endParaRPr>
+            </a:p>
+          </p:txBody>
+        </p:sp>
+        <p:sp>
+          <p:nvSpPr>
+            <p:cNvPr id="63" name="Flowchart: Decision 96"/>
+            <p:cNvSpPr/>
+            <p:nvPr/>
+          </p:nvSpPr>
+          <p:spPr>
+            <a:xfrm>
+              <a:off x="5918460" y="2941065"/>
+              <a:ext cx="236048" cy="173380"/>
+            </a:xfrm>
+            <a:prstGeom prst="flowChartDecision">
+              <a:avLst/>
+            </a:prstGeom>
+            <a:noFill/>
+            <a:ln w="19050">
+              <a:solidFill>
+                <a:srgbClr val="7030A0"/>
+              </a:solidFill>
+            </a:ln>
+            <a:effectLst/>
+          </p:spPr>
+          <p:style>
+            <a:lnRef idx="1">
+              <a:schemeClr val="accent6"/>
+            </a:lnRef>
+            <a:fillRef idx="2">
+              <a:schemeClr val="accent6"/>
+            </a:fillRef>
+            <a:effectRef idx="1">
+              <a:schemeClr val="accent6"/>
+            </a:effectRef>
+            <a:fontRef idx="minor">
+              <a:schemeClr val="dk1"/>
+            </a:fontRef>
+          </p:style>
+          <p:txBody>
+            <a:bodyPr rtlCol="0" anchor="ctr"/>
+            <a:lstStyle/>
+            <a:p>
+              <a:pPr algn="ctr"/>
+              <a:endParaRPr lang="en-US" sz="1050"/>
+            </a:p>
+          </p:txBody>
+        </p:sp>
+        <p:cxnSp>
+          <p:nvCxnSpPr>
+            <p:cNvPr id="64" name="Elbow Connector 63"/>
+            <p:cNvCxnSpPr>
+              <a:cxnSpLocks/>
+              <a:stCxn id="63" idx="3"/>
+              <a:endCxn id="62" idx="1"/>
+            </p:cNvCxnSpPr>
+            <p:nvPr/>
+          </p:nvCxnSpPr>
+          <p:spPr>
+            <a:xfrm>
+              <a:off x="6154508" y="3027755"/>
+              <a:ext cx="159169" cy="3691"/>
+            </a:xfrm>
+            <a:prstGeom prst="bentConnector3">
+              <a:avLst/>
+            </a:prstGeom>
+            <a:ln w="19050">
+              <a:solidFill>
+                <a:srgbClr val="7030A0"/>
+              </a:solidFill>
+              <a:headEnd type="none" w="med" len="med"/>
+              <a:tailEnd type="arrow" w="med" len="med"/>
+            </a:ln>
+            <a:effectLst/>
+          </p:spPr>
+          <p:style>
+            <a:lnRef idx="1">
+              <a:schemeClr val="accent2"/>
+            </a:lnRef>
+            <a:fillRef idx="2">
+              <a:schemeClr val="accent2"/>
+            </a:fillRef>
+            <a:effectRef idx="1">
+              <a:schemeClr val="accent2"/>
+            </a:effectRef>
+            <a:fontRef idx="minor">
+              <a:schemeClr val="dk1"/>
+            </a:fontRef>
+          </p:style>
+        </p:cxnSp>
+        <p:sp>
+          <p:nvSpPr>
+            <p:cNvPr id="76" name="Rectangle 8"/>
+            <p:cNvSpPr/>
+            <p:nvPr/>
+          </p:nvSpPr>
+          <p:spPr>
+            <a:xfrm>
+              <a:off x="7712397" y="2564238"/>
+              <a:ext cx="708186" cy="285783"/>
+            </a:xfrm>
+            <a:prstGeom prst="rect">
+              <a:avLst/>
+            </a:prstGeom>
+            <a:ln w="19050">
+              <a:solidFill>
+                <a:srgbClr val="7030A0"/>
+              </a:solidFill>
+            </a:ln>
+            <a:effectLst/>
+          </p:spPr>
+          <p:style>
+            <a:lnRef idx="1">
+              <a:schemeClr val="accent4"/>
+            </a:lnRef>
+            <a:fillRef idx="2">
+              <a:schemeClr val="accent4"/>
+            </a:fillRef>
+            <a:effectRef idx="1">
+              <a:schemeClr val="accent4"/>
+            </a:effectRef>
+            <a:fontRef idx="minor">
+              <a:schemeClr val="dk1"/>
+            </a:fontRef>
+          </p:style>
+          <p:txBody>
+            <a:bodyPr rtlCol="0" anchor="ctr"/>
+            <a:lstStyle/>
+            <a:p>
+              <a:pPr algn="ctr"/>
+              <a:r>
+                <a:rPr lang="en-US" sz="1050" dirty="0">
+                  <a:solidFill>
+                    <a:srgbClr val="7030A0"/>
+                  </a:solidFill>
+                </a:rPr>
+                <a:t>Phone</a:t>
+              </a:r>
+              <a:endParaRPr lang="en-SG" sz="1050" dirty="0">
                 <a:solidFill>
-                  <a:schemeClr val="bg1"/>
+                  <a:srgbClr val="7030A0"/>
                 </a:solidFill>
-              </a:rPr>
-              <a:t>Model</a:t>
-            </a:r>
-            <a:endParaRPr lang="en-SG" sz="1050" dirty="0">
-              <a:solidFill>
-                <a:schemeClr val="bg1"/>
-              </a:solidFill>
-            </a:endParaRPr>
-          </a:p>
-        </p:txBody>
-      </p:sp>
-      <p:sp>
-        <p:nvSpPr>
-          <p:cNvPr id="120" name="Isosceles Triangle 102"/>
-          <p:cNvSpPr/>
-          <p:nvPr/>
-        </p:nvSpPr>
-        <p:spPr>
-          <a:xfrm rot="16200000">
-            <a:off x="1626910" y="2952291"/>
-            <a:ext cx="270504" cy="175523"/>
-          </a:xfrm>
-          <a:prstGeom prst="triangle">
-            <a:avLst/>
-          </a:prstGeom>
-          <a:solidFill>
-            <a:srgbClr val="7030A0"/>
-          </a:solidFill>
-          <a:ln w="19050">
+              </a:endParaRPr>
+            </a:p>
+          </p:txBody>
+        </p:sp>
+        <p:sp>
+          <p:nvSpPr>
+            <p:cNvPr id="78" name="Flowchart: Decision 96"/>
+            <p:cNvSpPr/>
+            <p:nvPr/>
+          </p:nvSpPr>
+          <p:spPr>
+            <a:xfrm>
+              <a:off x="7041947" y="2948201"/>
+              <a:ext cx="236048" cy="173380"/>
+            </a:xfrm>
+            <a:prstGeom prst="flowChartDecision">
+              <a:avLst/>
+            </a:prstGeom>
             <a:solidFill>
               <a:srgbClr val="7030A0"/>
             </a:solidFill>
-          </a:ln>
-          <a:effectLst/>
-        </p:spPr>
-        <p:style>
-          <a:lnRef idx="1">
-            <a:schemeClr val="accent6"/>
-          </a:lnRef>
-          <a:fillRef idx="2">
-            <a:schemeClr val="accent6"/>
-          </a:fillRef>
-          <a:effectRef idx="1">
-            <a:schemeClr val="accent6"/>
-          </a:effectRef>
-          <a:fontRef idx="minor">
-            <a:schemeClr val="dk1"/>
-          </a:fontRef>
-        </p:style>
-        <p:txBody>
-          <a:bodyPr rtlCol="0" anchor="ctr"/>
-          <a:lstStyle/>
-          <a:p>
-            <a:pPr algn="ctr"/>
-            <a:endParaRPr lang="en-SG" sz="1050"/>
-          </a:p>
-        </p:txBody>
-      </p:sp>
-      <p:cxnSp>
-        <p:nvCxnSpPr>
-          <p:cNvPr id="58" name="Straight Arrow Connector 57"/>
-          <p:cNvCxnSpPr>
-            <a:stCxn id="42" idx="3"/>
-            <a:endCxn id="2" idx="1"/>
-          </p:cNvCxnSpPr>
-          <p:nvPr/>
-        </p:nvCxnSpPr>
-        <p:spPr>
-          <a:xfrm>
-            <a:off x="2609828" y="3636620"/>
-            <a:ext cx="267352" cy="0"/>
-          </a:xfrm>
-          <a:prstGeom prst="straightConnector1">
-            <a:avLst/>
-          </a:prstGeom>
-          <a:ln w="19050">
+            <a:ln w="19050">
+              <a:solidFill>
+                <a:srgbClr val="7030A0"/>
+              </a:solidFill>
+            </a:ln>
+            <a:effectLst/>
+          </p:spPr>
+          <p:style>
+            <a:lnRef idx="1">
+              <a:schemeClr val="accent6"/>
+            </a:lnRef>
+            <a:fillRef idx="2">
+              <a:schemeClr val="accent6"/>
+            </a:fillRef>
+            <a:effectRef idx="1">
+              <a:schemeClr val="accent6"/>
+            </a:effectRef>
+            <a:fontRef idx="minor">
+              <a:schemeClr val="dk1"/>
+            </a:fontRef>
+          </p:style>
+          <p:txBody>
+            <a:bodyPr rtlCol="0" anchor="ctr"/>
+            <a:lstStyle/>
+            <a:p>
+              <a:pPr algn="ctr"/>
+              <a:endParaRPr lang="en-US" sz="1050"/>
+            </a:p>
+          </p:txBody>
+        </p:sp>
+        <p:cxnSp>
+          <p:nvCxnSpPr>
+            <p:cNvPr id="79" name="Elbow Connector 78"/>
+            <p:cNvCxnSpPr>
+              <a:cxnSpLocks/>
+            </p:cNvCxnSpPr>
+            <p:nvPr/>
+          </p:nvCxnSpPr>
+          <p:spPr>
+            <a:xfrm flipV="1">
+              <a:off x="7277995" y="2706821"/>
+              <a:ext cx="434402" cy="327761"/>
+            </a:xfrm>
+            <a:prstGeom prst="bentConnector3">
+              <a:avLst/>
+            </a:prstGeom>
+            <a:ln w="19050">
+              <a:solidFill>
+                <a:srgbClr val="7030A0"/>
+              </a:solidFill>
+              <a:headEnd type="none" w="med" len="med"/>
+              <a:tailEnd type="arrow" w="med" len="med"/>
+            </a:ln>
+            <a:effectLst/>
+          </p:spPr>
+          <p:style>
+            <a:lnRef idx="1">
+              <a:schemeClr val="accent2"/>
+            </a:lnRef>
+            <a:fillRef idx="2">
+              <a:schemeClr val="accent2"/>
+            </a:fillRef>
+            <a:effectRef idx="1">
+              <a:schemeClr val="accent2"/>
+            </a:effectRef>
+            <a:fontRef idx="minor">
+              <a:schemeClr val="dk1"/>
+            </a:fontRef>
+          </p:style>
+        </p:cxnSp>
+        <p:sp>
+          <p:nvSpPr>
+            <p:cNvPr id="80" name="Rectangle 8"/>
+            <p:cNvSpPr/>
+            <p:nvPr/>
+          </p:nvSpPr>
+          <p:spPr>
+            <a:xfrm>
+              <a:off x="7712397" y="2887216"/>
+              <a:ext cx="708186" cy="285783"/>
+            </a:xfrm>
+            <a:prstGeom prst="rect">
+              <a:avLst/>
+            </a:prstGeom>
+            <a:ln w="19050">
+              <a:solidFill>
+                <a:srgbClr val="7030A0"/>
+              </a:solidFill>
+            </a:ln>
+            <a:effectLst/>
+          </p:spPr>
+          <p:style>
+            <a:lnRef idx="1">
+              <a:schemeClr val="accent4"/>
+            </a:lnRef>
+            <a:fillRef idx="2">
+              <a:schemeClr val="accent4"/>
+            </a:fillRef>
+            <a:effectRef idx="1">
+              <a:schemeClr val="accent4"/>
+            </a:effectRef>
+            <a:fontRef idx="minor">
+              <a:schemeClr val="dk1"/>
+            </a:fontRef>
+          </p:style>
+          <p:txBody>
+            <a:bodyPr rtlCol="0" anchor="ctr"/>
+            <a:lstStyle/>
+            <a:p>
+              <a:pPr algn="ctr"/>
+              <a:r>
+                <a:rPr lang="en-US" sz="1050" dirty="0">
+                  <a:solidFill>
+                    <a:srgbClr val="7030A0"/>
+                  </a:solidFill>
+                </a:rPr>
+                <a:t>Email</a:t>
+              </a:r>
+              <a:endParaRPr lang="en-SG" sz="1050" dirty="0">
+                <a:solidFill>
+                  <a:srgbClr val="7030A0"/>
+                </a:solidFill>
+              </a:endParaRPr>
+            </a:p>
+          </p:txBody>
+        </p:sp>
+        <p:cxnSp>
+          <p:nvCxnSpPr>
+            <p:cNvPr id="81" name="Elbow Connector 80"/>
+            <p:cNvCxnSpPr>
+              <a:cxnSpLocks/>
+              <a:stCxn id="78" idx="3"/>
+              <a:endCxn id="80" idx="1"/>
+            </p:cNvCxnSpPr>
+            <p:nvPr/>
+          </p:nvCxnSpPr>
+          <p:spPr>
+            <a:xfrm flipV="1">
+              <a:off x="7277995" y="3030108"/>
+              <a:ext cx="434402" cy="4783"/>
+            </a:xfrm>
+            <a:prstGeom prst="bentConnector3">
+              <a:avLst/>
+            </a:prstGeom>
+            <a:ln w="19050">
+              <a:solidFill>
+                <a:srgbClr val="7030A0"/>
+              </a:solidFill>
+              <a:headEnd type="none" w="med" len="med"/>
+              <a:tailEnd type="arrow" w="med" len="med"/>
+            </a:ln>
+            <a:effectLst/>
+          </p:spPr>
+          <p:style>
+            <a:lnRef idx="1">
+              <a:schemeClr val="accent2"/>
+            </a:lnRef>
+            <a:fillRef idx="2">
+              <a:schemeClr val="accent2"/>
+            </a:fillRef>
+            <a:effectRef idx="1">
+              <a:schemeClr val="accent2"/>
+            </a:effectRef>
+            <a:fontRef idx="minor">
+              <a:schemeClr val="dk1"/>
+            </a:fontRef>
+          </p:style>
+        </p:cxnSp>
+        <p:sp>
+          <p:nvSpPr>
+            <p:cNvPr id="83" name="Rectangle 8"/>
+            <p:cNvSpPr/>
+            <p:nvPr/>
+          </p:nvSpPr>
+          <p:spPr>
+            <a:xfrm>
+              <a:off x="7712397" y="3210194"/>
+              <a:ext cx="708186" cy="285783"/>
+            </a:xfrm>
+            <a:prstGeom prst="rect">
+              <a:avLst/>
+            </a:prstGeom>
+            <a:ln w="19050">
+              <a:solidFill>
+                <a:srgbClr val="7030A0"/>
+              </a:solidFill>
+            </a:ln>
+            <a:effectLst/>
+          </p:spPr>
+          <p:style>
+            <a:lnRef idx="1">
+              <a:schemeClr val="accent4"/>
+            </a:lnRef>
+            <a:fillRef idx="2">
+              <a:schemeClr val="accent4"/>
+            </a:fillRef>
+            <a:effectRef idx="1">
+              <a:schemeClr val="accent4"/>
+            </a:effectRef>
+            <a:fontRef idx="minor">
+              <a:schemeClr val="dk1"/>
+            </a:fontRef>
+          </p:style>
+          <p:txBody>
+            <a:bodyPr rtlCol="0" anchor="ctr"/>
+            <a:lstStyle/>
+            <a:p>
+              <a:pPr algn="ctr"/>
+              <a:r>
+                <a:rPr lang="en-US" sz="1050" dirty="0">
+                  <a:solidFill>
+                    <a:srgbClr val="7030A0"/>
+                  </a:solidFill>
+                </a:rPr>
+                <a:t>Address</a:t>
+              </a:r>
+              <a:endParaRPr lang="en-SG" sz="1050" dirty="0">
+                <a:solidFill>
+                  <a:srgbClr val="7030A0"/>
+                </a:solidFill>
+              </a:endParaRPr>
+            </a:p>
+          </p:txBody>
+        </p:sp>
+        <p:cxnSp>
+          <p:nvCxnSpPr>
+            <p:cNvPr id="84" name="Elbow Connector 83"/>
+            <p:cNvCxnSpPr>
+              <a:stCxn id="78" idx="3"/>
+              <a:endCxn id="83" idx="1"/>
+            </p:cNvCxnSpPr>
+            <p:nvPr/>
+          </p:nvCxnSpPr>
+          <p:spPr>
+            <a:xfrm>
+              <a:off x="7277995" y="3034891"/>
+              <a:ext cx="434402" cy="318195"/>
+            </a:xfrm>
+            <a:prstGeom prst="bentConnector3">
+              <a:avLst/>
+            </a:prstGeom>
+            <a:ln w="19050">
+              <a:solidFill>
+                <a:srgbClr val="7030A0"/>
+              </a:solidFill>
+              <a:headEnd type="none" w="med" len="med"/>
+              <a:tailEnd type="arrow" w="med" len="med"/>
+            </a:ln>
+            <a:effectLst/>
+          </p:spPr>
+          <p:style>
+            <a:lnRef idx="1">
+              <a:schemeClr val="accent2"/>
+            </a:lnRef>
+            <a:fillRef idx="2">
+              <a:schemeClr val="accent2"/>
+            </a:fillRef>
+            <a:effectRef idx="1">
+              <a:schemeClr val="accent2"/>
+            </a:effectRef>
+            <a:fontRef idx="minor">
+              <a:schemeClr val="dk1"/>
+            </a:fontRef>
+          </p:style>
+        </p:cxnSp>
+        <p:sp>
+          <p:nvSpPr>
+            <p:cNvPr id="85" name="Rectangle 8"/>
+            <p:cNvSpPr/>
+            <p:nvPr/>
+          </p:nvSpPr>
+          <p:spPr>
+            <a:xfrm>
+              <a:off x="7712397" y="3533171"/>
+              <a:ext cx="708186" cy="285783"/>
+            </a:xfrm>
+            <a:prstGeom prst="rect">
+              <a:avLst/>
+            </a:prstGeom>
+            <a:ln w="19050">
+              <a:solidFill>
+                <a:srgbClr val="7030A0"/>
+              </a:solidFill>
+            </a:ln>
+            <a:effectLst/>
+          </p:spPr>
+          <p:style>
+            <a:lnRef idx="1">
+              <a:schemeClr val="accent4"/>
+            </a:lnRef>
+            <a:fillRef idx="2">
+              <a:schemeClr val="accent4"/>
+            </a:fillRef>
+            <a:effectRef idx="1">
+              <a:schemeClr val="accent4"/>
+            </a:effectRef>
+            <a:fontRef idx="minor">
+              <a:schemeClr val="dk1"/>
+            </a:fontRef>
+          </p:style>
+          <p:txBody>
+            <a:bodyPr rtlCol="0" anchor="ctr"/>
+            <a:lstStyle/>
+            <a:p>
+              <a:pPr algn="ctr"/>
+              <a:r>
+                <a:rPr lang="en-US" sz="1050" dirty="0">
+                  <a:solidFill>
+                    <a:srgbClr val="7030A0"/>
+                  </a:solidFill>
+                </a:rPr>
+                <a:t>Position</a:t>
+              </a:r>
+              <a:endParaRPr lang="en-SG" sz="1050" dirty="0">
+                <a:solidFill>
+                  <a:srgbClr val="7030A0"/>
+                </a:solidFill>
+              </a:endParaRPr>
+            </a:p>
+          </p:txBody>
+        </p:sp>
+        <p:cxnSp>
+          <p:nvCxnSpPr>
+            <p:cNvPr id="86" name="Elbow Connector 85"/>
+            <p:cNvCxnSpPr>
+              <a:cxnSpLocks/>
+              <a:stCxn id="78" idx="3"/>
+              <a:endCxn id="85" idx="1"/>
+            </p:cNvCxnSpPr>
+            <p:nvPr/>
+          </p:nvCxnSpPr>
+          <p:spPr>
+            <a:xfrm>
+              <a:off x="7277995" y="3034891"/>
+              <a:ext cx="434402" cy="641172"/>
+            </a:xfrm>
+            <a:prstGeom prst="bentConnector3">
+              <a:avLst/>
+            </a:prstGeom>
+            <a:ln w="19050">
+              <a:solidFill>
+                <a:srgbClr val="7030A0"/>
+              </a:solidFill>
+              <a:headEnd type="none" w="med" len="med"/>
+              <a:tailEnd type="arrow" w="med" len="med"/>
+            </a:ln>
+            <a:effectLst/>
+          </p:spPr>
+          <p:style>
+            <a:lnRef idx="1">
+              <a:schemeClr val="accent2"/>
+            </a:lnRef>
+            <a:fillRef idx="2">
+              <a:schemeClr val="accent2"/>
+            </a:fillRef>
+            <a:effectRef idx="1">
+              <a:schemeClr val="accent2"/>
+            </a:effectRef>
+            <a:fontRef idx="minor">
+              <a:schemeClr val="dk1"/>
+            </a:fontRef>
+          </p:style>
+        </p:cxnSp>
+        <p:sp>
+          <p:nvSpPr>
+            <p:cNvPr id="114" name="TextBox 113"/>
+            <p:cNvSpPr txBox="1"/>
+            <p:nvPr/>
+          </p:nvSpPr>
+          <p:spPr>
+            <a:xfrm rot="16200000">
+              <a:off x="6362886" y="3586305"/>
+              <a:ext cx="881018" cy="261610"/>
+            </a:xfrm>
+            <a:prstGeom prst="rect">
+              <a:avLst/>
+            </a:prstGeom>
+            <a:noFill/>
+          </p:spPr>
+          <p:txBody>
+            <a:bodyPr wrap="square" rtlCol="0">
+              <a:spAutoFit/>
+            </a:bodyPr>
+            <a:lstStyle/>
+            <a:p>
+              <a:pPr algn="r"/>
+              <a:r>
+                <a:rPr lang="en-US" sz="1100" dirty="0">
+                  <a:solidFill>
+                    <a:srgbClr val="7030A0"/>
+                  </a:solidFill>
+                </a:rPr>
+                <a:t>filtered list</a:t>
+              </a:r>
+              <a:endParaRPr lang="en-SG" sz="1100" dirty="0">
+                <a:solidFill>
+                  <a:srgbClr val="7030A0"/>
+                </a:solidFill>
+              </a:endParaRPr>
+            </a:p>
+          </p:txBody>
+        </p:sp>
+        <p:sp>
+          <p:nvSpPr>
+            <p:cNvPr id="122" name="Rectangle 8"/>
+            <p:cNvSpPr/>
+            <p:nvPr/>
+          </p:nvSpPr>
+          <p:spPr>
+            <a:xfrm>
+              <a:off x="2057401" y="4239491"/>
+              <a:ext cx="1066800" cy="346760"/>
+            </a:xfrm>
+            <a:prstGeom prst="rect">
+              <a:avLst/>
+            </a:prstGeom>
+            <a:ln w="19050">
+              <a:solidFill>
+                <a:srgbClr val="7030A0"/>
+              </a:solidFill>
+            </a:ln>
+            <a:effectLst/>
+          </p:spPr>
+          <p:style>
+            <a:lnRef idx="1">
+              <a:schemeClr val="accent4"/>
+            </a:lnRef>
+            <a:fillRef idx="2">
+              <a:schemeClr val="accent4"/>
+            </a:fillRef>
+            <a:effectRef idx="1">
+              <a:schemeClr val="accent4"/>
+            </a:effectRef>
+            <a:fontRef idx="minor">
+              <a:schemeClr val="dk1"/>
+            </a:fontRef>
+          </p:style>
+          <p:txBody>
+            <a:bodyPr rtlCol="0" anchor="ctr"/>
+            <a:lstStyle/>
+            <a:p>
+              <a:pPr algn="ctr"/>
+              <a:r>
+                <a:rPr lang="en-US" sz="1050" dirty="0">
+                  <a:solidFill>
+                    <a:srgbClr val="7030A0"/>
+                  </a:solidFill>
+                </a:rPr>
+                <a:t>&lt;&lt;interface&gt;&gt;</a:t>
+              </a:r>
+              <a:br>
+                <a:rPr lang="en-US" sz="1050">
+                  <a:solidFill>
+                    <a:srgbClr val="7030A0"/>
+                  </a:solidFill>
+                </a:rPr>
+              </a:br>
+              <a:r>
+                <a:rPr lang="en-US" sz="1050" dirty="0" err="1">
+                  <a:solidFill>
+                    <a:srgbClr val="7030A0"/>
+                  </a:solidFill>
+                </a:rPr>
+                <a:t>ObservableList</a:t>
+              </a:r>
+              <a:endParaRPr lang="en-SG" sz="1050" dirty="0">
+                <a:solidFill>
+                  <a:srgbClr val="7030A0"/>
+                </a:solidFill>
+              </a:endParaRPr>
+            </a:p>
+          </p:txBody>
+        </p:sp>
+        <p:cxnSp>
+          <p:nvCxnSpPr>
+            <p:cNvPr id="124" name="Elbow Connector 122"/>
+            <p:cNvCxnSpPr>
+              <a:stCxn id="119" idx="1"/>
+              <a:endCxn id="122" idx="1"/>
+            </p:cNvCxnSpPr>
+            <p:nvPr/>
+          </p:nvCxnSpPr>
+          <p:spPr>
+            <a:xfrm rot="16200000" flipH="1">
+              <a:off x="1364475" y="3719944"/>
+              <a:ext cx="831471" cy="554381"/>
+            </a:xfrm>
+            <a:prstGeom prst="bentConnector2">
+              <a:avLst/>
+            </a:prstGeom>
+            <a:ln w="19050">
+              <a:solidFill>
+                <a:srgbClr val="7030A0"/>
+              </a:solidFill>
+              <a:prstDash val="sysDot"/>
+              <a:headEnd type="none" w="med" len="med"/>
+              <a:tailEnd type="arrow" w="med" len="med"/>
+            </a:ln>
+            <a:effectLst/>
+          </p:spPr>
+          <p:style>
+            <a:lnRef idx="1">
+              <a:schemeClr val="accent2"/>
+            </a:lnRef>
+            <a:fillRef idx="2">
+              <a:schemeClr val="accent2"/>
+            </a:fillRef>
+            <a:effectRef idx="1">
+              <a:schemeClr val="accent2"/>
+            </a:effectRef>
+            <a:fontRef idx="minor">
+              <a:schemeClr val="dk1"/>
+            </a:fontRef>
+          </p:style>
+        </p:cxnSp>
+        <p:sp>
+          <p:nvSpPr>
+            <p:cNvPr id="54" name="TextBox 53"/>
+            <p:cNvSpPr txBox="1"/>
+            <p:nvPr/>
+          </p:nvSpPr>
+          <p:spPr>
+            <a:xfrm>
+              <a:off x="4324972" y="3058864"/>
+              <a:ext cx="189257" cy="178683"/>
+            </a:xfrm>
+            <a:prstGeom prst="rect">
+              <a:avLst/>
+            </a:prstGeom>
+            <a:noFill/>
+          </p:spPr>
+          <p:txBody>
+            <a:bodyPr wrap="square" lIns="0" tIns="0" rIns="0" bIns="0" rtlCol="0">
+              <a:noAutofit/>
+            </a:bodyPr>
+            <a:lstStyle/>
+            <a:p>
+              <a:pPr algn="ctr"/>
+              <a:r>
+                <a:rPr lang="en-US" sz="1100" dirty="0">
+                  <a:solidFill>
+                    <a:srgbClr val="7030A0"/>
+                  </a:solidFill>
+                </a:rPr>
+                <a:t>1</a:t>
+              </a:r>
+              <a:endParaRPr lang="en-SG" sz="1100" dirty="0">
+                <a:solidFill>
+                  <a:srgbClr val="7030A0"/>
+                </a:solidFill>
+              </a:endParaRPr>
+            </a:p>
+          </p:txBody>
+        </p:sp>
+        <p:sp>
+          <p:nvSpPr>
+            <p:cNvPr id="61" name="TextBox 60"/>
+            <p:cNvSpPr txBox="1"/>
+            <p:nvPr/>
+          </p:nvSpPr>
+          <p:spPr>
+            <a:xfrm>
+              <a:off x="6135256" y="3097917"/>
+              <a:ext cx="189257" cy="178683"/>
+            </a:xfrm>
+            <a:prstGeom prst="rect">
+              <a:avLst/>
+            </a:prstGeom>
+            <a:noFill/>
+          </p:spPr>
+          <p:txBody>
+            <a:bodyPr wrap="square" lIns="0" tIns="0" rIns="0" bIns="0" rtlCol="0">
+              <a:noAutofit/>
+            </a:bodyPr>
+            <a:lstStyle/>
+            <a:p>
+              <a:pPr algn="ctr"/>
+              <a:r>
+                <a:rPr lang="en-US" sz="1100" dirty="0">
+                  <a:solidFill>
+                    <a:srgbClr val="7030A0"/>
+                  </a:solidFill>
+                </a:rPr>
+                <a:t>*</a:t>
+              </a:r>
+              <a:endParaRPr lang="en-SG" sz="1100" dirty="0">
+                <a:solidFill>
+                  <a:srgbClr val="7030A0"/>
+                </a:solidFill>
+              </a:endParaRPr>
+            </a:p>
+          </p:txBody>
+        </p:sp>
+        <p:sp>
+          <p:nvSpPr>
+            <p:cNvPr id="65" name="TextBox 64"/>
+            <p:cNvSpPr txBox="1"/>
+            <p:nvPr/>
+          </p:nvSpPr>
+          <p:spPr>
+            <a:xfrm>
+              <a:off x="2560167" y="2753818"/>
+              <a:ext cx="78378" cy="193767"/>
+            </a:xfrm>
+            <a:prstGeom prst="rect">
+              <a:avLst/>
+            </a:prstGeom>
+            <a:noFill/>
+          </p:spPr>
+          <p:txBody>
+            <a:bodyPr wrap="square" lIns="0" tIns="0" rIns="0" bIns="0" rtlCol="0">
+              <a:noAutofit/>
+            </a:bodyPr>
+            <a:lstStyle/>
+            <a:p>
+              <a:pPr algn="ctr"/>
+              <a:r>
+                <a:rPr lang="en-US" sz="1100" dirty="0">
+                  <a:solidFill>
+                    <a:srgbClr val="7030A0"/>
+                  </a:solidFill>
+                </a:rPr>
+                <a:t>1</a:t>
+              </a:r>
+              <a:endParaRPr lang="en-SG" sz="1100" dirty="0">
+                <a:solidFill>
+                  <a:srgbClr val="7030A0"/>
+                </a:solidFill>
+              </a:endParaRPr>
+            </a:p>
+          </p:txBody>
+        </p:sp>
+        <p:sp>
+          <p:nvSpPr>
+            <p:cNvPr id="66" name="TextBox 65"/>
+            <p:cNvSpPr txBox="1"/>
+            <p:nvPr/>
+          </p:nvSpPr>
+          <p:spPr>
+            <a:xfrm>
+              <a:off x="2707070" y="3667737"/>
+              <a:ext cx="189257" cy="178683"/>
+            </a:xfrm>
+            <a:prstGeom prst="rect">
+              <a:avLst/>
+            </a:prstGeom>
+            <a:noFill/>
+          </p:spPr>
+          <p:txBody>
+            <a:bodyPr wrap="square" lIns="0" tIns="0" rIns="0" bIns="0" rtlCol="0">
+              <a:noAutofit/>
+            </a:bodyPr>
+            <a:lstStyle/>
+            <a:p>
+              <a:pPr algn="ctr"/>
+              <a:r>
+                <a:rPr lang="en-US" sz="1100" dirty="0">
+                  <a:solidFill>
+                    <a:srgbClr val="7030A0"/>
+                  </a:solidFill>
+                </a:rPr>
+                <a:t>1</a:t>
+              </a:r>
+              <a:endParaRPr lang="en-SG" sz="1100" dirty="0">
+                <a:solidFill>
+                  <a:srgbClr val="7030A0"/>
+                </a:solidFill>
+              </a:endParaRPr>
+            </a:p>
+          </p:txBody>
+        </p:sp>
+        <p:sp>
+          <p:nvSpPr>
+            <p:cNvPr id="70" name="TextBox 69"/>
+            <p:cNvSpPr txBox="1"/>
+            <p:nvPr/>
+          </p:nvSpPr>
+          <p:spPr>
+            <a:xfrm>
+              <a:off x="6449896" y="3204826"/>
+              <a:ext cx="189257" cy="178683"/>
+            </a:xfrm>
+            <a:prstGeom prst="rect">
+              <a:avLst/>
+            </a:prstGeom>
+            <a:noFill/>
+          </p:spPr>
+          <p:txBody>
+            <a:bodyPr wrap="square" lIns="0" tIns="0" rIns="0" bIns="0" rtlCol="0">
+              <a:noAutofit/>
+            </a:bodyPr>
+            <a:lstStyle/>
+            <a:p>
+              <a:pPr algn="ctr"/>
+              <a:r>
+                <a:rPr lang="en-US" sz="1100" dirty="0">
+                  <a:solidFill>
+                    <a:srgbClr val="7030A0"/>
+                  </a:solidFill>
+                </a:rPr>
+                <a:t>1</a:t>
+              </a:r>
+              <a:endParaRPr lang="en-SG" sz="1100" dirty="0">
+                <a:solidFill>
+                  <a:srgbClr val="7030A0"/>
+                </a:solidFill>
+              </a:endParaRPr>
+            </a:p>
+          </p:txBody>
+        </p:sp>
+        <p:sp>
+          <p:nvSpPr>
+            <p:cNvPr id="52" name="Rectangle 8">
+              <a:extLst>
+                <a:ext uri="{FF2B5EF4-FFF2-40B4-BE49-F238E27FC236}">
+                  <a16:creationId xmlns:a16="http://schemas.microsoft.com/office/drawing/2014/main" id="{ABDCDBD2-131A-4B66-A2F2-43BBEE82C773}"/>
+                </a:ext>
+              </a:extLst>
+            </p:cNvPr>
+            <p:cNvSpPr/>
+            <p:nvPr/>
+          </p:nvSpPr>
+          <p:spPr>
+            <a:xfrm>
+              <a:off x="4755872" y="2206861"/>
+              <a:ext cx="1156969" cy="285783"/>
+            </a:xfrm>
+            <a:prstGeom prst="rect">
+              <a:avLst/>
+            </a:prstGeom>
+            <a:ln w="19050">
+              <a:solidFill>
+                <a:srgbClr val="7030A0"/>
+              </a:solidFill>
+            </a:ln>
+            <a:effectLst/>
+          </p:spPr>
+          <p:style>
+            <a:lnRef idx="1">
+              <a:schemeClr val="accent4"/>
+            </a:lnRef>
+            <a:fillRef idx="2">
+              <a:schemeClr val="accent4"/>
+            </a:fillRef>
+            <a:effectRef idx="1">
+              <a:schemeClr val="accent4"/>
+            </a:effectRef>
+            <a:fontRef idx="minor">
+              <a:schemeClr val="dk1"/>
+            </a:fontRef>
+          </p:style>
+          <p:txBody>
+            <a:bodyPr rtlCol="0" anchor="ctr"/>
+            <a:lstStyle/>
+            <a:p>
+              <a:pPr algn="ctr"/>
+              <a:r>
+                <a:rPr lang="en-US" sz="1050" dirty="0" err="1">
+                  <a:solidFill>
+                    <a:srgbClr val="7030A0"/>
+                  </a:solidFill>
+                </a:rPr>
+                <a:t>UniqueTagList</a:t>
+              </a:r>
+              <a:endParaRPr lang="en-SG" sz="1050" dirty="0">
+                <a:solidFill>
+                  <a:srgbClr val="7030A0"/>
+                </a:solidFill>
+              </a:endParaRPr>
+            </a:p>
+          </p:txBody>
+        </p:sp>
+        <p:cxnSp>
+          <p:nvCxnSpPr>
+            <p:cNvPr id="53" name="Elbow Connector 78">
+              <a:extLst>
+                <a:ext uri="{FF2B5EF4-FFF2-40B4-BE49-F238E27FC236}">
+                  <a16:creationId xmlns:a16="http://schemas.microsoft.com/office/drawing/2014/main" id="{B97967F8-618A-448B-81FD-CDFD4AF0EC64}"/>
+                </a:ext>
+              </a:extLst>
+            </p:cNvPr>
+            <p:cNvCxnSpPr>
+              <a:cxnSpLocks/>
+              <a:stCxn id="54" idx="0"/>
+              <a:endCxn id="52" idx="1"/>
+            </p:cNvCxnSpPr>
+            <p:nvPr/>
+          </p:nvCxnSpPr>
+          <p:spPr>
+            <a:xfrm rot="5400000" flipH="1" flipV="1">
+              <a:off x="4233181" y="2536174"/>
+              <a:ext cx="709111" cy="336271"/>
+            </a:xfrm>
+            <a:prstGeom prst="bentConnector2">
+              <a:avLst/>
+            </a:prstGeom>
+            <a:ln w="19050">
+              <a:solidFill>
+                <a:srgbClr val="7030A0"/>
+              </a:solidFill>
+              <a:headEnd type="none" w="med" len="med"/>
+              <a:tailEnd type="arrow" w="med" len="med"/>
+            </a:ln>
+            <a:effectLst/>
+          </p:spPr>
+          <p:style>
+            <a:lnRef idx="1">
+              <a:schemeClr val="accent2"/>
+            </a:lnRef>
+            <a:fillRef idx="2">
+              <a:schemeClr val="accent2"/>
+            </a:fillRef>
+            <a:effectRef idx="1">
+              <a:schemeClr val="accent2"/>
+            </a:effectRef>
+            <a:fontRef idx="minor">
+              <a:schemeClr val="dk1"/>
+            </a:fontRef>
+          </p:style>
+        </p:cxnSp>
+        <p:sp>
+          <p:nvSpPr>
+            <p:cNvPr id="50" name="TextBox 49">
+              <a:extLst>
+                <a:ext uri="{FF2B5EF4-FFF2-40B4-BE49-F238E27FC236}">
+                  <a16:creationId xmlns:a16="http://schemas.microsoft.com/office/drawing/2014/main" id="{B3FA9D57-880F-49C4-AD0B-A64E30D6F403}"/>
+                </a:ext>
+              </a:extLst>
+            </p:cNvPr>
+            <p:cNvSpPr txBox="1"/>
+            <p:nvPr/>
+          </p:nvSpPr>
+          <p:spPr>
+            <a:xfrm>
+              <a:off x="6714344" y="2430721"/>
+              <a:ext cx="189257" cy="178683"/>
+            </a:xfrm>
+            <a:prstGeom prst="rect">
+              <a:avLst/>
+            </a:prstGeom>
+            <a:noFill/>
+          </p:spPr>
+          <p:txBody>
+            <a:bodyPr wrap="square" lIns="0" tIns="0" rIns="0" bIns="0" rtlCol="0">
+              <a:noAutofit/>
+            </a:bodyPr>
+            <a:lstStyle/>
+            <a:p>
+              <a:pPr algn="ctr"/>
+              <a:r>
+                <a:rPr lang="en-US" sz="1100" dirty="0">
+                  <a:solidFill>
+                    <a:srgbClr val="7030A0"/>
+                  </a:solidFill>
+                </a:rPr>
+                <a:t>*</a:t>
+              </a:r>
+              <a:endParaRPr lang="en-SG" sz="1100" dirty="0">
+                <a:solidFill>
+                  <a:srgbClr val="7030A0"/>
+                </a:solidFill>
+              </a:endParaRPr>
+            </a:p>
+          </p:txBody>
+        </p:sp>
+        <p:sp>
+          <p:nvSpPr>
+            <p:cNvPr id="55" name="Flowchart: Decision 96">
+              <a:extLst>
+                <a:ext uri="{FF2B5EF4-FFF2-40B4-BE49-F238E27FC236}">
+                  <a16:creationId xmlns:a16="http://schemas.microsoft.com/office/drawing/2014/main" id="{B9F96195-942D-4692-91B7-CF34229E7461}"/>
+                </a:ext>
+              </a:extLst>
+            </p:cNvPr>
+            <p:cNvSpPr/>
+            <p:nvPr/>
+          </p:nvSpPr>
+          <p:spPr>
+            <a:xfrm rot="16200000">
+              <a:off x="6553482" y="2664721"/>
+              <a:ext cx="236048" cy="173380"/>
+            </a:xfrm>
+            <a:prstGeom prst="flowChartDecision">
+              <a:avLst/>
+            </a:prstGeom>
+            <a:noFill/>
+            <a:ln w="19050">
+              <a:solidFill>
+                <a:srgbClr val="7030A0"/>
+              </a:solidFill>
+            </a:ln>
+            <a:effectLst/>
+          </p:spPr>
+          <p:style>
+            <a:lnRef idx="1">
+              <a:schemeClr val="accent6"/>
+            </a:lnRef>
+            <a:fillRef idx="2">
+              <a:schemeClr val="accent6"/>
+            </a:fillRef>
+            <a:effectRef idx="1">
+              <a:schemeClr val="accent6"/>
+            </a:effectRef>
+            <a:fontRef idx="minor">
+              <a:schemeClr val="dk1"/>
+            </a:fontRef>
+          </p:style>
+          <p:txBody>
+            <a:bodyPr rtlCol="0" anchor="ctr"/>
+            <a:lstStyle/>
+            <a:p>
+              <a:pPr algn="ctr"/>
+              <a:endParaRPr lang="en-US" sz="1050"/>
+            </a:p>
+          </p:txBody>
+        </p:sp>
+        <p:cxnSp>
+          <p:nvCxnSpPr>
+            <p:cNvPr id="59" name="Elbow Connector 63">
+              <a:extLst>
+                <a:ext uri="{FF2B5EF4-FFF2-40B4-BE49-F238E27FC236}">
+                  <a16:creationId xmlns:a16="http://schemas.microsoft.com/office/drawing/2014/main" id="{E2D6A56C-A223-4236-A1F0-7EFEBA2FC940}"/>
+                </a:ext>
+              </a:extLst>
+            </p:cNvPr>
+            <p:cNvCxnSpPr>
+              <a:cxnSpLocks/>
+              <a:endCxn id="67" idx="1"/>
+            </p:cNvCxnSpPr>
+            <p:nvPr/>
+          </p:nvCxnSpPr>
+          <p:spPr>
+            <a:xfrm flipV="1">
+              <a:off x="5884280" y="2233006"/>
+              <a:ext cx="432916" cy="111294"/>
+            </a:xfrm>
+            <a:prstGeom prst="bentConnector3">
+              <a:avLst/>
+            </a:prstGeom>
+            <a:ln w="19050">
+              <a:solidFill>
+                <a:srgbClr val="7030A0"/>
+              </a:solidFill>
+              <a:headEnd type="none" w="med" len="med"/>
+              <a:tailEnd type="arrow" w="med" len="med"/>
+            </a:ln>
+            <a:effectLst/>
+          </p:spPr>
+          <p:style>
+            <a:lnRef idx="1">
+              <a:schemeClr val="accent2"/>
+            </a:lnRef>
+            <a:fillRef idx="2">
+              <a:schemeClr val="accent2"/>
+            </a:fillRef>
+            <a:effectRef idx="1">
+              <a:schemeClr val="accent2"/>
+            </a:effectRef>
+            <a:fontRef idx="minor">
+              <a:schemeClr val="dk1"/>
+            </a:fontRef>
+          </p:style>
+        </p:cxnSp>
+        <p:sp>
+          <p:nvSpPr>
+            <p:cNvPr id="67" name="Rectangle 8">
+              <a:extLst>
+                <a:ext uri="{FF2B5EF4-FFF2-40B4-BE49-F238E27FC236}">
+                  <a16:creationId xmlns:a16="http://schemas.microsoft.com/office/drawing/2014/main" id="{36D68104-33BB-4C8F-B764-F3F0B25E592B}"/>
+                </a:ext>
+              </a:extLst>
+            </p:cNvPr>
+            <p:cNvSpPr/>
+            <p:nvPr/>
+          </p:nvSpPr>
+          <p:spPr>
+            <a:xfrm>
+              <a:off x="6317196" y="2059626"/>
+              <a:ext cx="708186" cy="346760"/>
+            </a:xfrm>
+            <a:prstGeom prst="rect">
+              <a:avLst/>
+            </a:prstGeom>
+            <a:ln w="19050">
+              <a:solidFill>
+                <a:srgbClr val="7030A0"/>
+              </a:solidFill>
+            </a:ln>
+            <a:effectLst/>
+          </p:spPr>
+          <p:style>
+            <a:lnRef idx="1">
+              <a:schemeClr val="accent4"/>
+            </a:lnRef>
+            <a:fillRef idx="2">
+              <a:schemeClr val="accent4"/>
+            </a:fillRef>
+            <a:effectRef idx="1">
+              <a:schemeClr val="accent4"/>
+            </a:effectRef>
+            <a:fontRef idx="minor">
+              <a:schemeClr val="dk1"/>
+            </a:fontRef>
+          </p:style>
+          <p:txBody>
+            <a:bodyPr rtlCol="0" anchor="ctr"/>
+            <a:lstStyle/>
+            <a:p>
+              <a:pPr algn="ctr"/>
+              <a:r>
+                <a:rPr lang="en-US" sz="1050" dirty="0">
+                  <a:solidFill>
+                    <a:srgbClr val="7030A0"/>
+                  </a:solidFill>
+                </a:rPr>
+                <a:t>Tag</a:t>
+              </a:r>
+              <a:endParaRPr lang="en-SG" sz="1050" dirty="0">
+                <a:solidFill>
+                  <a:srgbClr val="7030A0"/>
+                </a:solidFill>
+              </a:endParaRPr>
+            </a:p>
+          </p:txBody>
+        </p:sp>
+        <p:sp>
+          <p:nvSpPr>
+            <p:cNvPr id="68" name="TextBox 67">
+              <a:extLst>
+                <a:ext uri="{FF2B5EF4-FFF2-40B4-BE49-F238E27FC236}">
+                  <a16:creationId xmlns:a16="http://schemas.microsoft.com/office/drawing/2014/main" id="{18A2ABF0-4DA8-43EE-BACE-A737C4E4CFEC}"/>
+                </a:ext>
+              </a:extLst>
+            </p:cNvPr>
+            <p:cNvSpPr txBox="1"/>
+            <p:nvPr/>
+          </p:nvSpPr>
+          <p:spPr>
+            <a:xfrm>
+              <a:off x="6135256" y="2278014"/>
+              <a:ext cx="189257" cy="178683"/>
+            </a:xfrm>
+            <a:prstGeom prst="rect">
+              <a:avLst/>
+            </a:prstGeom>
+            <a:noFill/>
+          </p:spPr>
+          <p:txBody>
+            <a:bodyPr wrap="square" lIns="0" tIns="0" rIns="0" bIns="0" rtlCol="0">
+              <a:noAutofit/>
+            </a:bodyPr>
+            <a:lstStyle/>
+            <a:p>
+              <a:pPr algn="ctr"/>
+              <a:r>
+                <a:rPr lang="en-US" sz="1100" dirty="0">
+                  <a:solidFill>
+                    <a:srgbClr val="7030A0"/>
+                  </a:solidFill>
+                </a:rPr>
+                <a:t>*</a:t>
+              </a:r>
+              <a:endParaRPr lang="en-SG" sz="1100" dirty="0">
+                <a:solidFill>
+                  <a:srgbClr val="7030A0"/>
+                </a:solidFill>
+              </a:endParaRPr>
+            </a:p>
+          </p:txBody>
+        </p:sp>
+        <p:sp>
+          <p:nvSpPr>
+            <p:cNvPr id="69" name="TextBox 68">
+              <a:extLst>
+                <a:ext uri="{FF2B5EF4-FFF2-40B4-BE49-F238E27FC236}">
+                  <a16:creationId xmlns:a16="http://schemas.microsoft.com/office/drawing/2014/main" id="{8CF9406A-39C7-4163-8880-BB65541FC08E}"/>
+                </a:ext>
+              </a:extLst>
+            </p:cNvPr>
+            <p:cNvSpPr txBox="1"/>
+            <p:nvPr/>
+          </p:nvSpPr>
+          <p:spPr>
+            <a:xfrm>
+              <a:off x="4367100" y="2172972"/>
+              <a:ext cx="189257" cy="178683"/>
+            </a:xfrm>
+            <a:prstGeom prst="rect">
+              <a:avLst/>
+            </a:prstGeom>
+            <a:noFill/>
+          </p:spPr>
+          <p:txBody>
+            <a:bodyPr wrap="square" lIns="0" tIns="0" rIns="0" bIns="0" rtlCol="0">
+              <a:noAutofit/>
+            </a:bodyPr>
+            <a:lstStyle/>
+            <a:p>
+              <a:pPr algn="ctr"/>
+              <a:r>
+                <a:rPr lang="en-US" sz="1100" dirty="0">
+                  <a:solidFill>
+                    <a:srgbClr val="7030A0"/>
+                  </a:solidFill>
+                </a:rPr>
+                <a:t>1</a:t>
+              </a:r>
+              <a:endParaRPr lang="en-SG" sz="1100" dirty="0">
+                <a:solidFill>
+                  <a:srgbClr val="7030A0"/>
+                </a:solidFill>
+              </a:endParaRPr>
+            </a:p>
+          </p:txBody>
+        </p:sp>
+        <p:sp>
+          <p:nvSpPr>
+            <p:cNvPr id="71" name="Flowchart: Decision 96">
+              <a:extLst>
+                <a:ext uri="{FF2B5EF4-FFF2-40B4-BE49-F238E27FC236}">
+                  <a16:creationId xmlns:a16="http://schemas.microsoft.com/office/drawing/2014/main" id="{233007D4-EEA2-4CA6-ACFE-1517B654224E}"/>
+                </a:ext>
+              </a:extLst>
+            </p:cNvPr>
+            <p:cNvSpPr/>
+            <p:nvPr/>
+          </p:nvSpPr>
+          <p:spPr>
+            <a:xfrm>
+              <a:off x="5911329" y="2262081"/>
+              <a:ext cx="236048" cy="173380"/>
+            </a:xfrm>
+            <a:prstGeom prst="flowChartDecision">
+              <a:avLst/>
+            </a:prstGeom>
             <a:solidFill>
               <a:srgbClr val="7030A0"/>
             </a:solidFill>
-            <a:headEnd type="none" w="med" len="med"/>
-            <a:tailEnd type="arrow" w="med" len="med"/>
-          </a:ln>
-          <a:effectLst/>
-        </p:spPr>
-        <p:style>
-          <a:lnRef idx="1">
-            <a:schemeClr val="accent2"/>
-          </a:lnRef>
-          <a:fillRef idx="2">
-            <a:schemeClr val="accent2"/>
-          </a:fillRef>
-          <a:effectRef idx="1">
-            <a:schemeClr val="accent2"/>
-          </a:effectRef>
-          <a:fontRef idx="minor">
-            <a:schemeClr val="dk1"/>
-          </a:fontRef>
-        </p:style>
-      </p:cxnSp>
-      <p:cxnSp>
-        <p:nvCxnSpPr>
-          <p:cNvPr id="75" name="Elbow Connector 122"/>
-          <p:cNvCxnSpPr/>
-          <p:nvPr/>
-        </p:nvCxnSpPr>
-        <p:spPr>
-          <a:xfrm>
-            <a:off x="910091" y="3040053"/>
-            <a:ext cx="419548" cy="2860"/>
-          </a:xfrm>
-          <a:prstGeom prst="bentConnector3">
-            <a:avLst>
-              <a:gd name="adj1" fmla="val 50000"/>
-            </a:avLst>
-          </a:prstGeom>
-          <a:ln w="19050">
-            <a:solidFill>
-              <a:schemeClr val="bg1">
-                <a:lumMod val="75000"/>
-              </a:schemeClr>
-            </a:solidFill>
-            <a:prstDash val="sysDot"/>
-            <a:headEnd type="none" w="med" len="med"/>
-            <a:tailEnd type="arrow" w="med" len="med"/>
-          </a:ln>
-          <a:effectLst/>
-        </p:spPr>
-        <p:style>
-          <a:lnRef idx="1">
-            <a:schemeClr val="accent2"/>
-          </a:lnRef>
-          <a:fillRef idx="2">
-            <a:schemeClr val="accent2"/>
-          </a:fillRef>
-          <a:effectRef idx="1">
-            <a:schemeClr val="accent2"/>
-          </a:effectRef>
-          <a:fontRef idx="minor">
-            <a:schemeClr val="dk1"/>
-          </a:fontRef>
-        </p:style>
-      </p:cxnSp>
-      <p:cxnSp>
-        <p:nvCxnSpPr>
-          <p:cNvPr id="21" name="Straight Connector 20"/>
-          <p:cNvCxnSpPr>
-            <a:stCxn id="120" idx="3"/>
-          </p:cNvCxnSpPr>
-          <p:nvPr/>
-        </p:nvCxnSpPr>
-        <p:spPr>
-          <a:xfrm flipV="1">
-            <a:off x="1849924" y="3040052"/>
-            <a:ext cx="216105" cy="1"/>
-          </a:xfrm>
-          <a:prstGeom prst="line">
-            <a:avLst/>
-          </a:prstGeom>
-          <a:ln w="19050">
-            <a:solidFill>
-              <a:srgbClr val="7030A0"/>
-            </a:solidFill>
-            <a:prstDash val="sysDot"/>
-            <a:headEnd type="none" w="med" len="med"/>
-            <a:tailEnd type="none" w="med" len="med"/>
-          </a:ln>
-          <a:effectLst/>
-        </p:spPr>
-        <p:style>
-          <a:lnRef idx="1">
-            <a:schemeClr val="accent2"/>
-          </a:lnRef>
-          <a:fillRef idx="2">
-            <a:schemeClr val="accent2"/>
-          </a:fillRef>
-          <a:effectRef idx="1">
-            <a:schemeClr val="accent2"/>
-          </a:effectRef>
-          <a:fontRef idx="minor">
-            <a:schemeClr val="dk1"/>
-          </a:fontRef>
-        </p:style>
-      </p:cxnSp>
-      <p:sp>
-        <p:nvSpPr>
-          <p:cNvPr id="42" name="Flowchart: Decision 96"/>
-          <p:cNvSpPr/>
-          <p:nvPr/>
-        </p:nvSpPr>
-        <p:spPr>
-          <a:xfrm>
-            <a:off x="2373780" y="3549930"/>
-            <a:ext cx="236048" cy="173380"/>
-          </a:xfrm>
-          <a:prstGeom prst="flowChartDecision">
-            <a:avLst/>
-          </a:prstGeom>
-          <a:noFill/>
-          <a:ln w="19050">
-            <a:solidFill>
-              <a:srgbClr val="7030A0"/>
-            </a:solidFill>
-          </a:ln>
-          <a:effectLst/>
-        </p:spPr>
-        <p:style>
-          <a:lnRef idx="1">
-            <a:schemeClr val="accent6"/>
-          </a:lnRef>
-          <a:fillRef idx="2">
-            <a:schemeClr val="accent6"/>
-          </a:fillRef>
-          <a:effectRef idx="1">
-            <a:schemeClr val="accent6"/>
-          </a:effectRef>
-          <a:fontRef idx="minor">
-            <a:schemeClr val="dk1"/>
-          </a:fontRef>
-        </p:style>
-        <p:txBody>
-          <a:bodyPr rtlCol="0" anchor="ctr"/>
-          <a:lstStyle/>
-          <a:p>
-            <a:pPr algn="ctr"/>
-            <a:endParaRPr lang="en-US" sz="1050"/>
-          </a:p>
-        </p:txBody>
-      </p:sp>
-      <p:sp>
-        <p:nvSpPr>
-          <p:cNvPr id="46" name="Rectangle 8"/>
-          <p:cNvSpPr/>
-          <p:nvPr/>
-        </p:nvSpPr>
-        <p:spPr>
-          <a:xfrm>
-            <a:off x="2786406" y="2834911"/>
-            <a:ext cx="1447688" cy="346760"/>
-          </a:xfrm>
-          <a:prstGeom prst="rect">
-            <a:avLst/>
-          </a:prstGeom>
-          <a:ln w="19050">
-            <a:solidFill>
-              <a:srgbClr val="7030A0"/>
-            </a:solidFill>
-          </a:ln>
-          <a:effectLst/>
-        </p:spPr>
-        <p:style>
-          <a:lnRef idx="1">
-            <a:schemeClr val="accent4"/>
-          </a:lnRef>
-          <a:fillRef idx="2">
-            <a:schemeClr val="accent4"/>
-          </a:fillRef>
-          <a:effectRef idx="1">
-            <a:schemeClr val="accent4"/>
-          </a:effectRef>
-          <a:fontRef idx="minor">
-            <a:schemeClr val="dk1"/>
-          </a:fontRef>
-        </p:style>
-        <p:txBody>
-          <a:bodyPr rtlCol="0" anchor="ctr"/>
-          <a:lstStyle/>
-          <a:p>
-            <a:pPr algn="ctr"/>
-            <a:r>
-              <a:rPr lang="en-US" sz="1050" dirty="0" err="1" smtClean="0">
+            <a:ln w="19050">
+              <a:solidFill>
+                <a:srgbClr val="7030A0"/>
+              </a:solidFill>
+            </a:ln>
+            <a:effectLst/>
+          </p:spPr>
+          <p:style>
+            <a:lnRef idx="1">
+              <a:schemeClr val="accent6"/>
+            </a:lnRef>
+            <a:fillRef idx="2">
+              <a:schemeClr val="accent6"/>
+            </a:fillRef>
+            <a:effectRef idx="1">
+              <a:schemeClr val="accent6"/>
+            </a:effectRef>
+            <a:fontRef idx="minor">
+              <a:schemeClr val="dk1"/>
+            </a:fontRef>
+          </p:style>
+          <p:txBody>
+            <a:bodyPr rtlCol="0" anchor="ctr"/>
+            <a:lstStyle/>
+            <a:p>
+              <a:pPr algn="ctr"/>
+              <a:endParaRPr lang="en-US" sz="1050"/>
+            </a:p>
+          </p:txBody>
+        </p:sp>
+        <p:cxnSp>
+          <p:nvCxnSpPr>
+            <p:cNvPr id="72" name="Elbow Connector 78">
+              <a:extLst>
+                <a:ext uri="{FF2B5EF4-FFF2-40B4-BE49-F238E27FC236}">
+                  <a16:creationId xmlns:a16="http://schemas.microsoft.com/office/drawing/2014/main" id="{D5DFB8C5-B0B0-46C1-967B-4449112ABD6F}"/>
+                </a:ext>
+              </a:extLst>
+            </p:cNvPr>
+            <p:cNvCxnSpPr>
+              <a:cxnSpLocks/>
+              <a:stCxn id="55" idx="3"/>
+              <a:endCxn id="67" idx="2"/>
+            </p:cNvCxnSpPr>
+            <p:nvPr/>
+          </p:nvCxnSpPr>
+          <p:spPr>
+            <a:xfrm rot="16200000" flipV="1">
+              <a:off x="6557898" y="2519778"/>
+              <a:ext cx="227001" cy="217"/>
+            </a:xfrm>
+            <a:prstGeom prst="bentConnector3">
+              <a:avLst>
+                <a:gd name="adj1" fmla="val 50000"/>
+              </a:avLst>
+            </a:prstGeom>
+            <a:ln w="19050">
+              <a:solidFill>
+                <a:srgbClr val="7030A0"/>
+              </a:solidFill>
+              <a:headEnd type="none" w="med" len="med"/>
+              <a:tailEnd type="arrow" w="med" len="med"/>
+            </a:ln>
+            <a:effectLst/>
+          </p:spPr>
+          <p:style>
+            <a:lnRef idx="1">
+              <a:schemeClr val="accent2"/>
+            </a:lnRef>
+            <a:fillRef idx="2">
+              <a:schemeClr val="accent2"/>
+            </a:fillRef>
+            <a:effectRef idx="1">
+              <a:schemeClr val="accent2"/>
+            </a:effectRef>
+            <a:fontRef idx="minor">
+              <a:schemeClr val="dk1"/>
+            </a:fontRef>
+          </p:style>
+        </p:cxnSp>
+        <p:cxnSp>
+          <p:nvCxnSpPr>
+            <p:cNvPr id="90" name="Elbow Connector 63"/>
+            <p:cNvCxnSpPr>
+              <a:stCxn id="91" idx="3"/>
+            </p:cNvCxnSpPr>
+            <p:nvPr/>
+          </p:nvCxnSpPr>
+          <p:spPr>
+            <a:xfrm rot="5400000">
+              <a:off x="3470636" y="2687353"/>
+              <a:ext cx="293825" cy="5938"/>
+            </a:xfrm>
+            <a:prstGeom prst="bentConnector3">
+              <a:avLst>
+                <a:gd name="adj1" fmla="val 50000"/>
+              </a:avLst>
+            </a:prstGeom>
+            <a:ln w="19050">
+              <a:solidFill>
+                <a:srgbClr val="7030A0"/>
+              </a:solidFill>
+              <a:prstDash val="sysDot"/>
+              <a:headEnd type="none" w="med" len="med"/>
+              <a:tailEnd type="none" w="med" len="med"/>
+            </a:ln>
+            <a:effectLst/>
+          </p:spPr>
+          <p:style>
+            <a:lnRef idx="1">
+              <a:schemeClr val="accent2"/>
+            </a:lnRef>
+            <a:fillRef idx="2">
+              <a:schemeClr val="accent2"/>
+            </a:fillRef>
+            <a:effectRef idx="1">
+              <a:schemeClr val="accent2"/>
+            </a:effectRef>
+            <a:fontRef idx="minor">
+              <a:schemeClr val="dk1"/>
+            </a:fontRef>
+          </p:style>
+        </p:cxnSp>
+        <p:sp>
+          <p:nvSpPr>
+            <p:cNvPr id="91" name="Isosceles Triangle 102"/>
+            <p:cNvSpPr/>
+            <p:nvPr/>
+          </p:nvSpPr>
+          <p:spPr>
+            <a:xfrm rot="10800000" flipV="1">
+              <a:off x="3479324" y="2386348"/>
+              <a:ext cx="282387" cy="157062"/>
+            </a:xfrm>
+            <a:prstGeom prst="triangle">
+              <a:avLst/>
+            </a:prstGeom>
+            <a:ln w="19050">
+              <a:solidFill>
+                <a:srgbClr val="7030A0"/>
+              </a:solidFill>
+            </a:ln>
+            <a:effectLst/>
+          </p:spPr>
+          <p:style>
+            <a:lnRef idx="1">
+              <a:schemeClr val="accent4"/>
+            </a:lnRef>
+            <a:fillRef idx="2">
+              <a:schemeClr val="accent4"/>
+            </a:fillRef>
+            <a:effectRef idx="1">
+              <a:schemeClr val="accent4"/>
+            </a:effectRef>
+            <a:fontRef idx="minor">
+              <a:schemeClr val="dk1"/>
+            </a:fontRef>
+          </p:style>
+          <p:txBody>
+            <a:bodyPr rtlCol="0" anchor="ctr"/>
+            <a:lstStyle/>
+            <a:p>
+              <a:pPr algn="ctr"/>
+              <a:endParaRPr lang="en-SG" sz="1050" b="1">
+                <a:solidFill>
+                  <a:srgbClr val="92D050"/>
+                </a:solidFill>
+              </a:endParaRPr>
+            </a:p>
+          </p:txBody>
+        </p:sp>
+        <p:sp>
+          <p:nvSpPr>
+            <p:cNvPr id="92" name="Rectangle 8"/>
+            <p:cNvSpPr/>
+            <p:nvPr/>
+          </p:nvSpPr>
+          <p:spPr>
+            <a:xfrm>
+              <a:off x="1177947" y="1998144"/>
+              <a:ext cx="1443661" cy="364396"/>
+            </a:xfrm>
+            <a:prstGeom prst="rect">
+              <a:avLst/>
+            </a:prstGeom>
+            <a:ln w="19050">
+              <a:solidFill>
+                <a:srgbClr val="7030A0"/>
+              </a:solidFill>
+            </a:ln>
+            <a:effectLst/>
+          </p:spPr>
+          <p:style>
+            <a:lnRef idx="1">
+              <a:schemeClr val="accent4"/>
+            </a:lnRef>
+            <a:fillRef idx="2">
+              <a:schemeClr val="accent4"/>
+            </a:fillRef>
+            <a:effectRef idx="1">
+              <a:schemeClr val="accent4"/>
+            </a:effectRef>
+            <a:fontRef idx="minor">
+              <a:schemeClr val="dk1"/>
+            </a:fontRef>
+          </p:style>
+          <p:txBody>
+            <a:bodyPr rtlCol="0" anchor="ctr"/>
+            <a:lstStyle/>
+            <a:p>
+              <a:pPr algn="ctr"/>
+              <a:r>
+                <a:rPr lang="en-US" sz="1050" dirty="0">
+                  <a:solidFill>
+                    <a:srgbClr val="7030A0"/>
+                  </a:solidFill>
+                </a:rPr>
+                <a:t>&lt;&lt;interface&gt;&gt;</a:t>
+              </a:r>
+              <a:br>
+                <a:rPr lang="en-US" sz="1050" dirty="0">
+                  <a:solidFill>
+                    <a:srgbClr val="7030A0"/>
+                  </a:solidFill>
+                </a:rPr>
+              </a:br>
+              <a:r>
+                <a:rPr lang="en-US" sz="1050" dirty="0" err="1">
+                  <a:solidFill>
+                    <a:srgbClr val="7030A0"/>
+                  </a:solidFill>
+                </a:rPr>
+                <a:t>ReadOnlyAddressBook</a:t>
+              </a:r>
+              <a:endParaRPr lang="en-SG" sz="1050" dirty="0">
                 <a:solidFill>
                   <a:srgbClr val="7030A0"/>
                 </a:solidFill>
-              </a:rPr>
-              <a:t>VersionedAddressBook</a:t>
-            </a:r>
-            <a:endParaRPr lang="en-SG" sz="1050" dirty="0">
+              </a:endParaRPr>
+            </a:p>
+          </p:txBody>
+        </p:sp>
+        <p:sp>
+          <p:nvSpPr>
+            <p:cNvPr id="93" name="Rectangle 8"/>
+            <p:cNvSpPr/>
+            <p:nvPr/>
+          </p:nvSpPr>
+          <p:spPr>
+            <a:xfrm>
+              <a:off x="3087206" y="1998144"/>
+              <a:ext cx="1060683" cy="364396"/>
+            </a:xfrm>
+            <a:prstGeom prst="rect">
+              <a:avLst/>
+            </a:prstGeom>
+            <a:ln w="19050">
               <a:solidFill>
                 <a:srgbClr val="7030A0"/>
               </a:solidFill>
-            </a:endParaRPr>
-          </a:p>
-        </p:txBody>
-      </p:sp>
-      <p:cxnSp>
-        <p:nvCxnSpPr>
-          <p:cNvPr id="47" name="Straight Arrow Connector 46"/>
-          <p:cNvCxnSpPr>
-            <a:stCxn id="48" idx="3"/>
-            <a:endCxn id="46" idx="1"/>
-          </p:cNvCxnSpPr>
-          <p:nvPr/>
-        </p:nvCxnSpPr>
-        <p:spPr>
-          <a:xfrm>
-            <a:off x="2624360" y="3003033"/>
-            <a:ext cx="162046" cy="5258"/>
-          </a:xfrm>
-          <a:prstGeom prst="straightConnector1">
-            <a:avLst/>
-          </a:prstGeom>
-          <a:ln w="19050">
-            <a:solidFill>
-              <a:srgbClr val="7030A0"/>
-            </a:solidFill>
-            <a:headEnd type="none" w="med" len="med"/>
-            <a:tailEnd type="arrow" w="med" len="med"/>
-          </a:ln>
-          <a:effectLst/>
-        </p:spPr>
-        <p:style>
-          <a:lnRef idx="1">
-            <a:schemeClr val="accent2"/>
-          </a:lnRef>
-          <a:fillRef idx="2">
-            <a:schemeClr val="accent2"/>
-          </a:fillRef>
-          <a:effectRef idx="1">
-            <a:schemeClr val="accent2"/>
-          </a:effectRef>
-          <a:fontRef idx="minor">
-            <a:schemeClr val="dk1"/>
-          </a:fontRef>
-        </p:style>
-      </p:cxnSp>
-      <p:sp>
-        <p:nvSpPr>
-          <p:cNvPr id="48" name="Flowchart: Decision 96"/>
-          <p:cNvSpPr/>
-          <p:nvPr/>
-        </p:nvSpPr>
-        <p:spPr>
-          <a:xfrm>
-            <a:off x="2388312" y="2916343"/>
-            <a:ext cx="236048" cy="173380"/>
-          </a:xfrm>
-          <a:prstGeom prst="flowChartDecision">
-            <a:avLst/>
-          </a:prstGeom>
-          <a:noFill/>
-          <a:ln w="19050">
-            <a:solidFill>
-              <a:srgbClr val="7030A0"/>
-            </a:solidFill>
-          </a:ln>
-          <a:effectLst/>
-        </p:spPr>
-        <p:style>
-          <a:lnRef idx="1">
-            <a:schemeClr val="accent6"/>
-          </a:lnRef>
-          <a:fillRef idx="2">
-            <a:schemeClr val="accent6"/>
-          </a:fillRef>
-          <a:effectRef idx="1">
-            <a:schemeClr val="accent6"/>
-          </a:effectRef>
-          <a:fontRef idx="minor">
-            <a:schemeClr val="dk1"/>
-          </a:fontRef>
-        </p:style>
-        <p:txBody>
-          <a:bodyPr rtlCol="0" anchor="ctr"/>
-          <a:lstStyle/>
-          <a:p>
-            <a:pPr algn="ctr"/>
-            <a:endParaRPr lang="en-US" sz="1050"/>
-          </a:p>
-        </p:txBody>
-      </p:sp>
-      <p:sp>
-        <p:nvSpPr>
-          <p:cNvPr id="49" name="Rectangle 8"/>
-          <p:cNvSpPr/>
-          <p:nvPr/>
-        </p:nvSpPr>
-        <p:spPr>
-          <a:xfrm>
-            <a:off x="4762209" y="2863434"/>
-            <a:ext cx="1156969" cy="346760"/>
-          </a:xfrm>
-          <a:prstGeom prst="rect">
-            <a:avLst/>
-          </a:prstGeom>
-          <a:ln w="19050">
-            <a:solidFill>
-              <a:srgbClr val="7030A0"/>
-            </a:solidFill>
-          </a:ln>
-          <a:effectLst/>
-        </p:spPr>
-        <p:style>
-          <a:lnRef idx="1">
-            <a:schemeClr val="accent4"/>
-          </a:lnRef>
-          <a:fillRef idx="2">
-            <a:schemeClr val="accent4"/>
-          </a:fillRef>
-          <a:effectRef idx="1">
-            <a:schemeClr val="accent4"/>
-          </a:effectRef>
-          <a:fontRef idx="minor">
-            <a:schemeClr val="dk1"/>
-          </a:fontRef>
-        </p:style>
-        <p:txBody>
-          <a:bodyPr rtlCol="0" anchor="ctr"/>
-          <a:lstStyle/>
-          <a:p>
-            <a:pPr algn="ctr"/>
-            <a:r>
-              <a:rPr lang="en-US" sz="1050" dirty="0" err="1">
+            </a:ln>
+            <a:effectLst/>
+          </p:spPr>
+          <p:style>
+            <a:lnRef idx="1">
+              <a:schemeClr val="accent4"/>
+            </a:lnRef>
+            <a:fillRef idx="2">
+              <a:schemeClr val="accent4"/>
+            </a:fillRef>
+            <a:effectRef idx="1">
+              <a:schemeClr val="accent4"/>
+            </a:effectRef>
+            <a:fontRef idx="minor">
+              <a:schemeClr val="dk1"/>
+            </a:fontRef>
+          </p:style>
+          <p:txBody>
+            <a:bodyPr rtlCol="0" anchor="ctr"/>
+            <a:lstStyle/>
+            <a:p>
+              <a:pPr algn="ctr"/>
+              <a:r>
+                <a:rPr lang="en-US" sz="1050" dirty="0" err="1">
+                  <a:solidFill>
+                    <a:srgbClr val="7030A0"/>
+                  </a:solidFill>
+                </a:rPr>
+                <a:t>AddressBook</a:t>
+              </a:r>
+              <a:endParaRPr lang="en-SG" sz="1050" dirty="0">
                 <a:solidFill>
                   <a:srgbClr val="7030A0"/>
                 </a:solidFill>
-              </a:rPr>
-              <a:t>UniquePersonList</a:t>
-            </a:r>
-            <a:endParaRPr lang="en-SG" sz="1050" dirty="0">
+              </a:endParaRPr>
+            </a:p>
+          </p:txBody>
+        </p:sp>
+        <p:sp>
+          <p:nvSpPr>
+            <p:cNvPr id="94" name="Isosceles Triangle 102"/>
+            <p:cNvSpPr/>
+            <p:nvPr/>
+          </p:nvSpPr>
+          <p:spPr>
+            <a:xfrm rot="16200000">
+              <a:off x="2586098" y="2068952"/>
+              <a:ext cx="271014" cy="187417"/>
+            </a:xfrm>
+            <a:prstGeom prst="triangle">
+              <a:avLst>
+                <a:gd name="adj" fmla="val 44517"/>
+              </a:avLst>
+            </a:prstGeom>
+            <a:solidFill>
+              <a:schemeClr val="accent4">
+                <a:lumMod val="20000"/>
+                <a:lumOff val="80000"/>
+              </a:schemeClr>
+            </a:solidFill>
+            <a:ln w="19050">
               <a:solidFill>
                 <a:srgbClr val="7030A0"/>
               </a:solidFill>
-            </a:endParaRPr>
-          </a:p>
-        </p:txBody>
-      </p:sp>
-      <p:sp>
-        <p:nvSpPr>
-          <p:cNvPr id="51" name="Flowchart: Decision 96"/>
-          <p:cNvSpPr/>
-          <p:nvPr/>
-        </p:nvSpPr>
-        <p:spPr>
-          <a:xfrm>
-            <a:off x="4233246" y="2948201"/>
-            <a:ext cx="236048" cy="173380"/>
-          </a:xfrm>
-          <a:prstGeom prst="flowChartDecision">
-            <a:avLst/>
-          </a:prstGeom>
-          <a:solidFill>
-            <a:srgbClr val="7030A0"/>
-          </a:solidFill>
-          <a:ln w="19050">
-            <a:solidFill>
-              <a:srgbClr val="7030A0"/>
-            </a:solidFill>
-          </a:ln>
-          <a:effectLst/>
-        </p:spPr>
-        <p:style>
-          <a:lnRef idx="1">
-            <a:schemeClr val="accent6"/>
-          </a:lnRef>
-          <a:fillRef idx="2">
-            <a:schemeClr val="accent6"/>
-          </a:fillRef>
-          <a:effectRef idx="1">
-            <a:schemeClr val="accent6"/>
-          </a:effectRef>
-          <a:fontRef idx="minor">
-            <a:schemeClr val="dk1"/>
-          </a:fontRef>
-        </p:style>
-        <p:txBody>
-          <a:bodyPr rtlCol="0" anchor="ctr"/>
-          <a:lstStyle/>
-          <a:p>
-            <a:pPr algn="ctr"/>
-            <a:endParaRPr lang="en-US" sz="1050"/>
-          </a:p>
-        </p:txBody>
-      </p:sp>
-      <p:cxnSp>
-        <p:nvCxnSpPr>
-          <p:cNvPr id="30" name="Elbow Connector 29"/>
-          <p:cNvCxnSpPr>
-            <a:stCxn id="51" idx="3"/>
-            <a:endCxn id="49" idx="1"/>
-          </p:cNvCxnSpPr>
-          <p:nvPr/>
-        </p:nvCxnSpPr>
-        <p:spPr>
-          <a:xfrm>
-            <a:off x="4469294" y="3034891"/>
-            <a:ext cx="292915" cy="1923"/>
-          </a:xfrm>
-          <a:prstGeom prst="bentConnector3">
-            <a:avLst/>
-          </a:prstGeom>
-          <a:ln w="19050">
-            <a:solidFill>
-              <a:srgbClr val="7030A0"/>
-            </a:solidFill>
-            <a:headEnd type="none" w="med" len="med"/>
-            <a:tailEnd type="arrow" w="med" len="med"/>
-          </a:ln>
-          <a:effectLst/>
-        </p:spPr>
-        <p:style>
-          <a:lnRef idx="1">
-            <a:schemeClr val="accent2"/>
-          </a:lnRef>
-          <a:fillRef idx="2">
-            <a:schemeClr val="accent2"/>
-          </a:fillRef>
-          <a:effectRef idx="1">
-            <a:schemeClr val="accent2"/>
-          </a:effectRef>
-          <a:fontRef idx="minor">
-            <a:schemeClr val="dk1"/>
-          </a:fontRef>
-        </p:style>
-      </p:cxnSp>
-      <p:sp>
-        <p:nvSpPr>
-          <p:cNvPr id="62" name="Rectangle 8"/>
-          <p:cNvSpPr/>
-          <p:nvPr/>
-        </p:nvSpPr>
-        <p:spPr>
-          <a:xfrm>
-            <a:off x="6313677" y="2858066"/>
-            <a:ext cx="708186" cy="346760"/>
-          </a:xfrm>
-          <a:prstGeom prst="rect">
-            <a:avLst/>
-          </a:prstGeom>
-          <a:ln w="19050">
-            <a:solidFill>
-              <a:srgbClr val="7030A0"/>
-            </a:solidFill>
-          </a:ln>
-          <a:effectLst/>
-        </p:spPr>
-        <p:style>
-          <a:lnRef idx="1">
-            <a:schemeClr val="accent4"/>
-          </a:lnRef>
-          <a:fillRef idx="2">
-            <a:schemeClr val="accent4"/>
-          </a:fillRef>
-          <a:effectRef idx="1">
-            <a:schemeClr val="accent4"/>
-          </a:effectRef>
-          <a:fontRef idx="minor">
-            <a:schemeClr val="dk1"/>
-          </a:fontRef>
-        </p:style>
-        <p:txBody>
-          <a:bodyPr rtlCol="0" anchor="ctr"/>
-          <a:lstStyle/>
-          <a:p>
-            <a:pPr algn="ctr"/>
-            <a:r>
-              <a:rPr lang="en-US" sz="1050" dirty="0">
+            </a:ln>
+            <a:effectLst/>
+          </p:spPr>
+          <p:style>
+            <a:lnRef idx="1">
+              <a:schemeClr val="accent6"/>
+            </a:lnRef>
+            <a:fillRef idx="2">
+              <a:schemeClr val="accent6"/>
+            </a:fillRef>
+            <a:effectRef idx="1">
+              <a:schemeClr val="accent6"/>
+            </a:effectRef>
+            <a:fontRef idx="minor">
+              <a:schemeClr val="dk1"/>
+            </a:fontRef>
+          </p:style>
+          <p:txBody>
+            <a:bodyPr rtlCol="0" anchor="ctr"/>
+            <a:lstStyle/>
+            <a:p>
+              <a:pPr algn="ctr"/>
+              <a:endParaRPr lang="en-SG" sz="1050"/>
+            </a:p>
+          </p:txBody>
+        </p:sp>
+        <p:cxnSp>
+          <p:nvCxnSpPr>
+            <p:cNvPr id="95" name="Elbow Connector 63"/>
+            <p:cNvCxnSpPr>
+              <a:stCxn id="94" idx="3"/>
+              <a:endCxn id="93" idx="1"/>
+            </p:cNvCxnSpPr>
+            <p:nvPr/>
+          </p:nvCxnSpPr>
+          <p:spPr>
+            <a:xfrm>
+              <a:off x="2815314" y="2177521"/>
+              <a:ext cx="271892" cy="2821"/>
+            </a:xfrm>
+            <a:prstGeom prst="bentConnector3">
+              <a:avLst>
+                <a:gd name="adj1" fmla="val 50000"/>
+              </a:avLst>
+            </a:prstGeom>
+            <a:ln w="19050">
+              <a:solidFill>
+                <a:srgbClr val="7030A0"/>
+              </a:solidFill>
+              <a:prstDash val="sysDot"/>
+              <a:headEnd type="none" w="med" len="med"/>
+              <a:tailEnd type="none" w="med" len="med"/>
+            </a:ln>
+            <a:effectLst/>
+          </p:spPr>
+          <p:style>
+            <a:lnRef idx="1">
+              <a:schemeClr val="accent2"/>
+            </a:lnRef>
+            <a:fillRef idx="2">
+              <a:schemeClr val="accent2"/>
+            </a:fillRef>
+            <a:effectRef idx="1">
+              <a:schemeClr val="accent2"/>
+            </a:effectRef>
+            <a:fontRef idx="minor">
+              <a:schemeClr val="dk1"/>
+            </a:fontRef>
+          </p:style>
+        </p:cxnSp>
+        <p:cxnSp>
+          <p:nvCxnSpPr>
+            <p:cNvPr id="77" name="Elbow Connector 85">
+              <a:extLst>
+                <a:ext uri="{FF2B5EF4-FFF2-40B4-BE49-F238E27FC236}">
+                  <a16:creationId xmlns:a16="http://schemas.microsoft.com/office/drawing/2014/main" id="{BE6EF9FC-4D4E-469B-A0B1-85F7A5FE9A78}"/>
+                </a:ext>
+              </a:extLst>
+            </p:cNvPr>
+            <p:cNvCxnSpPr>
+              <a:cxnSpLocks/>
+              <a:stCxn id="78" idx="3"/>
+              <a:endCxn id="82" idx="1"/>
+            </p:cNvCxnSpPr>
+            <p:nvPr/>
+          </p:nvCxnSpPr>
+          <p:spPr>
+            <a:xfrm>
+              <a:off x="7277995" y="3034891"/>
+              <a:ext cx="434402" cy="964149"/>
+            </a:xfrm>
+            <a:prstGeom prst="bentConnector3">
+              <a:avLst>
+                <a:gd name="adj1" fmla="val 50000"/>
+              </a:avLst>
+            </a:prstGeom>
+            <a:ln w="19050">
+              <a:solidFill>
+                <a:srgbClr val="7030A0"/>
+              </a:solidFill>
+              <a:headEnd type="none" w="med" len="med"/>
+              <a:tailEnd type="arrow" w="med" len="med"/>
+            </a:ln>
+            <a:effectLst/>
+          </p:spPr>
+          <p:style>
+            <a:lnRef idx="1">
+              <a:schemeClr val="accent2"/>
+            </a:lnRef>
+            <a:fillRef idx="2">
+              <a:schemeClr val="accent2"/>
+            </a:fillRef>
+            <a:effectRef idx="1">
+              <a:schemeClr val="accent2"/>
+            </a:effectRef>
+            <a:fontRef idx="minor">
+              <a:schemeClr val="dk1"/>
+            </a:fontRef>
+          </p:style>
+        </p:cxnSp>
+        <p:sp>
+          <p:nvSpPr>
+            <p:cNvPr id="82" name="Rectangle 8">
+              <a:extLst>
+                <a:ext uri="{FF2B5EF4-FFF2-40B4-BE49-F238E27FC236}">
+                  <a16:creationId xmlns:a16="http://schemas.microsoft.com/office/drawing/2014/main" id="{60CA9A13-2A92-41F4-A96D-468ABA2CCA84}"/>
+                </a:ext>
+              </a:extLst>
+            </p:cNvPr>
+            <p:cNvSpPr/>
+            <p:nvPr/>
+          </p:nvSpPr>
+          <p:spPr>
+            <a:xfrm>
+              <a:off x="7712397" y="3856148"/>
+              <a:ext cx="708186" cy="285783"/>
+            </a:xfrm>
+            <a:prstGeom prst="rect">
+              <a:avLst/>
+            </a:prstGeom>
+            <a:ln w="19050">
+              <a:solidFill>
+                <a:srgbClr val="7030A0"/>
+              </a:solidFill>
+            </a:ln>
+            <a:effectLst/>
+          </p:spPr>
+          <p:style>
+            <a:lnRef idx="1">
+              <a:schemeClr val="accent4"/>
+            </a:lnRef>
+            <a:fillRef idx="2">
+              <a:schemeClr val="accent4"/>
+            </a:fillRef>
+            <a:effectRef idx="1">
+              <a:schemeClr val="accent4"/>
+            </a:effectRef>
+            <a:fontRef idx="minor">
+              <a:schemeClr val="dk1"/>
+            </a:fontRef>
+          </p:style>
+          <p:txBody>
+            <a:bodyPr rtlCol="0" anchor="ctr"/>
+            <a:lstStyle/>
+            <a:p>
+              <a:pPr algn="ctr"/>
+              <a:r>
+                <a:rPr lang="en-SG" sz="1050" dirty="0">
+                  <a:solidFill>
+                    <a:srgbClr val="7030A0"/>
+                  </a:solidFill>
+                </a:rPr>
+                <a:t>KPI</a:t>
+              </a:r>
+            </a:p>
+          </p:txBody>
+        </p:sp>
+        <p:sp>
+          <p:nvSpPr>
+            <p:cNvPr id="87" name="Rectangle 8">
+              <a:extLst>
+                <a:ext uri="{FF2B5EF4-FFF2-40B4-BE49-F238E27FC236}">
+                  <a16:creationId xmlns:a16="http://schemas.microsoft.com/office/drawing/2014/main" id="{07575A02-FE4F-4FB9-82CA-0902F400F19F}"/>
+                </a:ext>
+              </a:extLst>
+            </p:cNvPr>
+            <p:cNvSpPr/>
+            <p:nvPr/>
+          </p:nvSpPr>
+          <p:spPr>
+            <a:xfrm>
+              <a:off x="7712397" y="4179125"/>
+              <a:ext cx="708186" cy="285783"/>
+            </a:xfrm>
+            <a:prstGeom prst="rect">
+              <a:avLst/>
+            </a:prstGeom>
+            <a:ln w="19050">
+              <a:solidFill>
+                <a:srgbClr val="7030A0"/>
+              </a:solidFill>
+            </a:ln>
+            <a:effectLst/>
+          </p:spPr>
+          <p:style>
+            <a:lnRef idx="1">
+              <a:schemeClr val="accent4"/>
+            </a:lnRef>
+            <a:fillRef idx="2">
+              <a:schemeClr val="accent4"/>
+            </a:fillRef>
+            <a:effectRef idx="1">
+              <a:schemeClr val="accent4"/>
+            </a:effectRef>
+            <a:fontRef idx="minor">
+              <a:schemeClr val="dk1"/>
+            </a:fontRef>
+          </p:style>
+          <p:txBody>
+            <a:bodyPr rtlCol="0" anchor="ctr"/>
+            <a:lstStyle/>
+            <a:p>
+              <a:pPr algn="ctr"/>
+              <a:r>
+                <a:rPr lang="en-US" sz="1050" dirty="0">
+                  <a:solidFill>
+                    <a:srgbClr val="7030A0"/>
+                  </a:solidFill>
+                </a:rPr>
+                <a:t>Note</a:t>
+              </a:r>
+              <a:endParaRPr lang="en-SG" sz="1050" dirty="0">
                 <a:solidFill>
                   <a:srgbClr val="7030A0"/>
                 </a:solidFill>
-              </a:rPr>
-              <a:t>Person</a:t>
-            </a:r>
-            <a:endParaRPr lang="en-SG" sz="1050" dirty="0">
+              </a:endParaRPr>
+            </a:p>
+          </p:txBody>
+        </p:sp>
+        <p:cxnSp>
+          <p:nvCxnSpPr>
+            <p:cNvPr id="88" name="Elbow Connector 85">
+              <a:extLst>
+                <a:ext uri="{FF2B5EF4-FFF2-40B4-BE49-F238E27FC236}">
+                  <a16:creationId xmlns:a16="http://schemas.microsoft.com/office/drawing/2014/main" id="{92F9878B-B081-4B1B-B1DD-61FA8458F55D}"/>
+                </a:ext>
+              </a:extLst>
+            </p:cNvPr>
+            <p:cNvCxnSpPr>
+              <a:cxnSpLocks/>
+              <a:stCxn id="78" idx="3"/>
+              <a:endCxn id="87" idx="1"/>
+            </p:cNvCxnSpPr>
+            <p:nvPr/>
+          </p:nvCxnSpPr>
+          <p:spPr>
+            <a:xfrm>
+              <a:off x="7277995" y="3034891"/>
+              <a:ext cx="434402" cy="1287126"/>
+            </a:xfrm>
+            <a:prstGeom prst="bentConnector3">
+              <a:avLst>
+                <a:gd name="adj1" fmla="val 50000"/>
+              </a:avLst>
+            </a:prstGeom>
+            <a:ln w="19050">
               <a:solidFill>
                 <a:srgbClr val="7030A0"/>
               </a:solidFill>
-            </a:endParaRPr>
-          </a:p>
-        </p:txBody>
-      </p:sp>
-      <p:sp>
-        <p:nvSpPr>
-          <p:cNvPr id="63" name="Flowchart: Decision 96"/>
-          <p:cNvSpPr/>
-          <p:nvPr/>
-        </p:nvSpPr>
-        <p:spPr>
-          <a:xfrm>
-            <a:off x="5918460" y="2941065"/>
-            <a:ext cx="236048" cy="173380"/>
-          </a:xfrm>
-          <a:prstGeom prst="flowChartDecision">
-            <a:avLst/>
-          </a:prstGeom>
-          <a:noFill/>
-          <a:ln w="19050">
-            <a:solidFill>
-              <a:srgbClr val="7030A0"/>
-            </a:solidFill>
-          </a:ln>
-          <a:effectLst/>
-        </p:spPr>
-        <p:style>
-          <a:lnRef idx="1">
-            <a:schemeClr val="accent6"/>
-          </a:lnRef>
-          <a:fillRef idx="2">
-            <a:schemeClr val="accent6"/>
-          </a:fillRef>
-          <a:effectRef idx="1">
-            <a:schemeClr val="accent6"/>
-          </a:effectRef>
-          <a:fontRef idx="minor">
-            <a:schemeClr val="dk1"/>
-          </a:fontRef>
-        </p:style>
-        <p:txBody>
-          <a:bodyPr rtlCol="0" anchor="ctr"/>
-          <a:lstStyle/>
-          <a:p>
-            <a:pPr algn="ctr"/>
-            <a:endParaRPr lang="en-US" sz="1050"/>
-          </a:p>
-        </p:txBody>
-      </p:sp>
-      <p:cxnSp>
-        <p:nvCxnSpPr>
-          <p:cNvPr id="64" name="Elbow Connector 63"/>
-          <p:cNvCxnSpPr>
-            <a:cxnSpLocks/>
-            <a:stCxn id="63" idx="3"/>
-            <a:endCxn id="62" idx="1"/>
-          </p:cNvCxnSpPr>
-          <p:nvPr/>
-        </p:nvCxnSpPr>
-        <p:spPr>
-          <a:xfrm>
-            <a:off x="6154508" y="3027755"/>
-            <a:ext cx="159169" cy="3691"/>
-          </a:xfrm>
-          <a:prstGeom prst="bentConnector3">
-            <a:avLst/>
-          </a:prstGeom>
-          <a:ln w="19050">
-            <a:solidFill>
-              <a:srgbClr val="7030A0"/>
-            </a:solidFill>
-            <a:headEnd type="none" w="med" len="med"/>
-            <a:tailEnd type="arrow" w="med" len="med"/>
-          </a:ln>
-          <a:effectLst/>
-        </p:spPr>
-        <p:style>
-          <a:lnRef idx="1">
-            <a:schemeClr val="accent2"/>
-          </a:lnRef>
-          <a:fillRef idx="2">
-            <a:schemeClr val="accent2"/>
-          </a:fillRef>
-          <a:effectRef idx="1">
-            <a:schemeClr val="accent2"/>
-          </a:effectRef>
-          <a:fontRef idx="minor">
-            <a:schemeClr val="dk1"/>
-          </a:fontRef>
-        </p:style>
-      </p:cxnSp>
-      <p:sp>
-        <p:nvSpPr>
-          <p:cNvPr id="76" name="Rectangle 8"/>
-          <p:cNvSpPr/>
-          <p:nvPr/>
-        </p:nvSpPr>
-        <p:spPr>
-          <a:xfrm>
-            <a:off x="7712397" y="2564238"/>
-            <a:ext cx="708186" cy="285783"/>
-          </a:xfrm>
-          <a:prstGeom prst="rect">
-            <a:avLst/>
-          </a:prstGeom>
-          <a:ln w="19050">
-            <a:solidFill>
-              <a:srgbClr val="7030A0"/>
-            </a:solidFill>
-          </a:ln>
-          <a:effectLst/>
-        </p:spPr>
-        <p:style>
-          <a:lnRef idx="1">
-            <a:schemeClr val="accent4"/>
-          </a:lnRef>
-          <a:fillRef idx="2">
-            <a:schemeClr val="accent4"/>
-          </a:fillRef>
-          <a:effectRef idx="1">
-            <a:schemeClr val="accent4"/>
-          </a:effectRef>
-          <a:fontRef idx="minor">
-            <a:schemeClr val="dk1"/>
-          </a:fontRef>
-        </p:style>
-        <p:txBody>
-          <a:bodyPr rtlCol="0" anchor="ctr"/>
-          <a:lstStyle/>
-          <a:p>
-            <a:pPr algn="ctr"/>
-            <a:r>
-              <a:rPr lang="en-US" sz="1050" dirty="0">
+              <a:headEnd type="none" w="med" len="med"/>
+              <a:tailEnd type="arrow" w="med" len="med"/>
+            </a:ln>
+            <a:effectLst/>
+          </p:spPr>
+          <p:style>
+            <a:lnRef idx="1">
+              <a:schemeClr val="accent2"/>
+            </a:lnRef>
+            <a:fillRef idx="2">
+              <a:schemeClr val="accent2"/>
+            </a:fillRef>
+            <a:effectRef idx="1">
+              <a:schemeClr val="accent2"/>
+            </a:effectRef>
+            <a:fontRef idx="minor">
+              <a:schemeClr val="dk1"/>
+            </a:fontRef>
+          </p:style>
+        </p:cxnSp>
+        <p:sp>
+          <p:nvSpPr>
+            <p:cNvPr id="89" name="Rectangle 8">
+              <a:extLst>
+                <a:ext uri="{FF2B5EF4-FFF2-40B4-BE49-F238E27FC236}">
+                  <a16:creationId xmlns:a16="http://schemas.microsoft.com/office/drawing/2014/main" id="{8B4F0C9E-1FB7-4E60-ABDA-5BD018BD239F}"/>
+                </a:ext>
+              </a:extLst>
+            </p:cNvPr>
+            <p:cNvSpPr/>
+            <p:nvPr/>
+          </p:nvSpPr>
+          <p:spPr>
+            <a:xfrm>
+              <a:off x="7712397" y="2245734"/>
+              <a:ext cx="708186" cy="285783"/>
+            </a:xfrm>
+            <a:prstGeom prst="rect">
+              <a:avLst/>
+            </a:prstGeom>
+            <a:ln w="19050">
+              <a:solidFill>
+                <a:srgbClr val="7030A0"/>
+              </a:solidFill>
+            </a:ln>
+            <a:effectLst/>
+          </p:spPr>
+          <p:style>
+            <a:lnRef idx="1">
+              <a:schemeClr val="accent4"/>
+            </a:lnRef>
+            <a:fillRef idx="2">
+              <a:schemeClr val="accent4"/>
+            </a:fillRef>
+            <a:effectRef idx="1">
+              <a:schemeClr val="accent4"/>
+            </a:effectRef>
+            <a:fontRef idx="minor">
+              <a:schemeClr val="dk1"/>
+            </a:fontRef>
+          </p:style>
+          <p:txBody>
+            <a:bodyPr rtlCol="0" anchor="ctr"/>
+            <a:lstStyle/>
+            <a:p>
+              <a:pPr algn="ctr"/>
+              <a:r>
+                <a:rPr lang="en-US" sz="1050" dirty="0">
+                  <a:solidFill>
+                    <a:srgbClr val="7030A0"/>
+                  </a:solidFill>
+                </a:rPr>
+                <a:t>Name</a:t>
+              </a:r>
+              <a:endParaRPr lang="en-SG" sz="1050" dirty="0">
                 <a:solidFill>
                   <a:srgbClr val="7030A0"/>
                 </a:solidFill>
-              </a:rPr>
-              <a:t>Name</a:t>
-            </a:r>
-            <a:endParaRPr lang="en-SG" sz="1050" dirty="0">
+              </a:endParaRPr>
+            </a:p>
+          </p:txBody>
+        </p:sp>
+        <p:cxnSp>
+          <p:nvCxnSpPr>
+            <p:cNvPr id="96" name="Elbow Connector 78">
+              <a:extLst>
+                <a:ext uri="{FF2B5EF4-FFF2-40B4-BE49-F238E27FC236}">
+                  <a16:creationId xmlns:a16="http://schemas.microsoft.com/office/drawing/2014/main" id="{AF7A0F72-AD08-4B3D-A021-6011FD8CBDA6}"/>
+                </a:ext>
+              </a:extLst>
+            </p:cNvPr>
+            <p:cNvCxnSpPr>
+              <a:cxnSpLocks/>
+              <a:stCxn id="78" idx="3"/>
+              <a:endCxn id="89" idx="1"/>
+            </p:cNvCxnSpPr>
+            <p:nvPr/>
+          </p:nvCxnSpPr>
+          <p:spPr>
+            <a:xfrm flipV="1">
+              <a:off x="7277995" y="2388626"/>
+              <a:ext cx="434402" cy="646265"/>
+            </a:xfrm>
+            <a:prstGeom prst="bentConnector3">
+              <a:avLst/>
+            </a:prstGeom>
+            <a:ln w="19050">
               <a:solidFill>
                 <a:srgbClr val="7030A0"/>
               </a:solidFill>
-            </a:endParaRPr>
-          </a:p>
-        </p:txBody>
-      </p:sp>
-      <p:sp>
-        <p:nvSpPr>
-          <p:cNvPr id="78" name="Flowchart: Decision 96"/>
-          <p:cNvSpPr/>
-          <p:nvPr/>
-        </p:nvSpPr>
-        <p:spPr>
-          <a:xfrm>
-            <a:off x="7041947" y="2948201"/>
-            <a:ext cx="236048" cy="173380"/>
-          </a:xfrm>
-          <a:prstGeom prst="flowChartDecision">
-            <a:avLst/>
-          </a:prstGeom>
-          <a:solidFill>
-            <a:srgbClr val="7030A0"/>
-          </a:solidFill>
-          <a:ln w="19050">
-            <a:solidFill>
-              <a:srgbClr val="7030A0"/>
-            </a:solidFill>
-          </a:ln>
-          <a:effectLst/>
-        </p:spPr>
-        <p:style>
-          <a:lnRef idx="1">
-            <a:schemeClr val="accent6"/>
-          </a:lnRef>
-          <a:fillRef idx="2">
-            <a:schemeClr val="accent6"/>
-          </a:fillRef>
-          <a:effectRef idx="1">
-            <a:schemeClr val="accent6"/>
-          </a:effectRef>
-          <a:fontRef idx="minor">
-            <a:schemeClr val="dk1"/>
-          </a:fontRef>
-        </p:style>
-        <p:txBody>
-          <a:bodyPr rtlCol="0" anchor="ctr"/>
-          <a:lstStyle/>
-          <a:p>
-            <a:pPr algn="ctr"/>
-            <a:endParaRPr lang="en-US" sz="1050"/>
-          </a:p>
-        </p:txBody>
-      </p:sp>
-      <p:cxnSp>
-        <p:nvCxnSpPr>
-          <p:cNvPr id="79" name="Elbow Connector 78"/>
-          <p:cNvCxnSpPr>
-            <a:cxnSpLocks/>
-          </p:cNvCxnSpPr>
-          <p:nvPr/>
-        </p:nvCxnSpPr>
-        <p:spPr>
-          <a:xfrm flipV="1">
-            <a:off x="7277995" y="2706821"/>
-            <a:ext cx="434402" cy="327761"/>
-          </a:xfrm>
-          <a:prstGeom prst="bentConnector3">
-            <a:avLst/>
-          </a:prstGeom>
-          <a:ln w="19050">
-            <a:solidFill>
-              <a:srgbClr val="7030A0"/>
-            </a:solidFill>
-            <a:headEnd type="none" w="med" len="med"/>
-            <a:tailEnd type="arrow" w="med" len="med"/>
-          </a:ln>
-          <a:effectLst/>
-        </p:spPr>
-        <p:style>
-          <a:lnRef idx="1">
-            <a:schemeClr val="accent2"/>
-          </a:lnRef>
-          <a:fillRef idx="2">
-            <a:schemeClr val="accent2"/>
-          </a:fillRef>
-          <a:effectRef idx="1">
-            <a:schemeClr val="accent2"/>
-          </a:effectRef>
-          <a:fontRef idx="minor">
-            <a:schemeClr val="dk1"/>
-          </a:fontRef>
-        </p:style>
-      </p:cxnSp>
-      <p:sp>
-        <p:nvSpPr>
-          <p:cNvPr id="80" name="Rectangle 8"/>
-          <p:cNvSpPr/>
-          <p:nvPr/>
-        </p:nvSpPr>
-        <p:spPr>
-          <a:xfrm>
-            <a:off x="7712397" y="2887216"/>
-            <a:ext cx="708186" cy="285783"/>
-          </a:xfrm>
-          <a:prstGeom prst="rect">
-            <a:avLst/>
-          </a:prstGeom>
-          <a:ln w="19050">
-            <a:solidFill>
-              <a:srgbClr val="7030A0"/>
-            </a:solidFill>
-          </a:ln>
-          <a:effectLst/>
-        </p:spPr>
-        <p:style>
-          <a:lnRef idx="1">
-            <a:schemeClr val="accent4"/>
-          </a:lnRef>
-          <a:fillRef idx="2">
-            <a:schemeClr val="accent4"/>
-          </a:fillRef>
-          <a:effectRef idx="1">
-            <a:schemeClr val="accent4"/>
-          </a:effectRef>
-          <a:fontRef idx="minor">
-            <a:schemeClr val="dk1"/>
-          </a:fontRef>
-        </p:style>
-        <p:txBody>
-          <a:bodyPr rtlCol="0" anchor="ctr"/>
-          <a:lstStyle/>
-          <a:p>
-            <a:pPr algn="ctr"/>
-            <a:r>
-              <a:rPr lang="en-US" sz="1050" dirty="0">
+              <a:headEnd type="none" w="med" len="med"/>
+              <a:tailEnd type="arrow" w="med" len="med"/>
+            </a:ln>
+            <a:effectLst/>
+          </p:spPr>
+          <p:style>
+            <a:lnRef idx="1">
+              <a:schemeClr val="accent2"/>
+            </a:lnRef>
+            <a:fillRef idx="2">
+              <a:schemeClr val="accent2"/>
+            </a:fillRef>
+            <a:effectRef idx="1">
+              <a:schemeClr val="accent2"/>
+            </a:effectRef>
+            <a:fontRef idx="minor">
+              <a:schemeClr val="dk1"/>
+            </a:fontRef>
+          </p:style>
+        </p:cxnSp>
+        <p:sp>
+          <p:nvSpPr>
+            <p:cNvPr id="97" name="Rectangle 8">
+              <a:extLst>
+                <a:ext uri="{FF2B5EF4-FFF2-40B4-BE49-F238E27FC236}">
+                  <a16:creationId xmlns:a16="http://schemas.microsoft.com/office/drawing/2014/main" id="{0CE9B684-53D0-4C3C-BE3D-2298DD10B901}"/>
+                </a:ext>
+              </a:extLst>
+            </p:cNvPr>
+            <p:cNvSpPr/>
+            <p:nvPr/>
+          </p:nvSpPr>
+          <p:spPr>
+            <a:xfrm>
+              <a:off x="7712397" y="1732116"/>
+              <a:ext cx="708186" cy="346760"/>
+            </a:xfrm>
+            <a:prstGeom prst="rect">
+              <a:avLst/>
+            </a:prstGeom>
+            <a:ln w="19050">
+              <a:solidFill>
+                <a:srgbClr val="7030A0"/>
+              </a:solidFill>
+            </a:ln>
+            <a:effectLst/>
+          </p:spPr>
+          <p:style>
+            <a:lnRef idx="1">
+              <a:schemeClr val="accent4"/>
+            </a:lnRef>
+            <a:fillRef idx="2">
+              <a:schemeClr val="accent4"/>
+            </a:fillRef>
+            <a:effectRef idx="1">
+              <a:schemeClr val="accent4"/>
+            </a:effectRef>
+            <a:fontRef idx="minor">
+              <a:schemeClr val="dk1"/>
+            </a:fontRef>
+          </p:style>
+          <p:txBody>
+            <a:bodyPr rtlCol="0" anchor="ctr"/>
+            <a:lstStyle/>
+            <a:p>
+              <a:pPr algn="ctr"/>
+              <a:r>
+                <a:rPr lang="en-US" sz="1050" dirty="0">
+                  <a:solidFill>
+                    <a:srgbClr val="7030A0"/>
+                  </a:solidFill>
+                </a:rPr>
+                <a:t>Priority</a:t>
+              </a:r>
+              <a:endParaRPr lang="en-SG" sz="1050" dirty="0">
                 <a:solidFill>
                   <a:srgbClr val="7030A0"/>
                 </a:solidFill>
-              </a:rPr>
-              <a:t>Phone</a:t>
-            </a:r>
-            <a:endParaRPr lang="en-SG" sz="1050" dirty="0">
+              </a:endParaRPr>
+            </a:p>
+          </p:txBody>
+        </p:sp>
+        <p:cxnSp>
+          <p:nvCxnSpPr>
+            <p:cNvPr id="98" name="Elbow Connector 78">
+              <a:extLst>
+                <a:ext uri="{FF2B5EF4-FFF2-40B4-BE49-F238E27FC236}">
+                  <a16:creationId xmlns:a16="http://schemas.microsoft.com/office/drawing/2014/main" id="{629EAB2E-3C7F-46BD-8EDC-ECD09F8FBA7E}"/>
+                </a:ext>
+              </a:extLst>
+            </p:cNvPr>
+            <p:cNvCxnSpPr>
+              <a:cxnSpLocks/>
+              <a:stCxn id="67" idx="3"/>
+              <a:endCxn id="97" idx="1"/>
+            </p:cNvCxnSpPr>
+            <p:nvPr/>
+          </p:nvCxnSpPr>
+          <p:spPr>
+            <a:xfrm flipV="1">
+              <a:off x="7025382" y="1905496"/>
+              <a:ext cx="687015" cy="327510"/>
+            </a:xfrm>
+            <a:prstGeom prst="bentConnector3">
+              <a:avLst>
+                <a:gd name="adj1" fmla="val 50000"/>
+              </a:avLst>
+            </a:prstGeom>
+            <a:ln w="19050">
               <a:solidFill>
                 <a:srgbClr val="7030A0"/>
               </a:solidFill>
-            </a:endParaRPr>
-          </a:p>
-        </p:txBody>
-      </p:sp>
-      <p:cxnSp>
-        <p:nvCxnSpPr>
-          <p:cNvPr id="81" name="Elbow Connector 80"/>
-          <p:cNvCxnSpPr>
-            <a:stCxn id="78" idx="3"/>
-            <a:endCxn id="80" idx="1"/>
-          </p:cNvCxnSpPr>
-          <p:nvPr/>
-        </p:nvCxnSpPr>
-        <p:spPr>
-          <a:xfrm flipV="1">
-            <a:off x="7277995" y="3030108"/>
-            <a:ext cx="434402" cy="4783"/>
-          </a:xfrm>
-          <a:prstGeom prst="bentConnector3">
-            <a:avLst/>
-          </a:prstGeom>
-          <a:ln w="19050">
-            <a:solidFill>
-              <a:srgbClr val="7030A0"/>
-            </a:solidFill>
-            <a:headEnd type="none" w="med" len="med"/>
-            <a:tailEnd type="arrow" w="med" len="med"/>
-          </a:ln>
-          <a:effectLst/>
-        </p:spPr>
-        <p:style>
-          <a:lnRef idx="1">
-            <a:schemeClr val="accent2"/>
-          </a:lnRef>
-          <a:fillRef idx="2">
-            <a:schemeClr val="accent2"/>
-          </a:fillRef>
-          <a:effectRef idx="1">
-            <a:schemeClr val="accent2"/>
-          </a:effectRef>
-          <a:fontRef idx="minor">
-            <a:schemeClr val="dk1"/>
-          </a:fontRef>
-        </p:style>
-      </p:cxnSp>
-      <p:sp>
-        <p:nvSpPr>
-          <p:cNvPr id="83" name="Rectangle 8"/>
-          <p:cNvSpPr/>
-          <p:nvPr/>
-        </p:nvSpPr>
-        <p:spPr>
-          <a:xfrm>
-            <a:off x="7712397" y="3210194"/>
-            <a:ext cx="708186" cy="285783"/>
-          </a:xfrm>
-          <a:prstGeom prst="rect">
-            <a:avLst/>
-          </a:prstGeom>
-          <a:ln w="19050">
-            <a:solidFill>
-              <a:srgbClr val="7030A0"/>
-            </a:solidFill>
-          </a:ln>
-          <a:effectLst/>
-        </p:spPr>
-        <p:style>
-          <a:lnRef idx="1">
-            <a:schemeClr val="accent4"/>
-          </a:lnRef>
-          <a:fillRef idx="2">
-            <a:schemeClr val="accent4"/>
-          </a:fillRef>
-          <a:effectRef idx="1">
-            <a:schemeClr val="accent4"/>
-          </a:effectRef>
-          <a:fontRef idx="minor">
-            <a:schemeClr val="dk1"/>
-          </a:fontRef>
-        </p:style>
-        <p:txBody>
-          <a:bodyPr rtlCol="0" anchor="ctr"/>
-          <a:lstStyle/>
-          <a:p>
-            <a:pPr algn="ctr"/>
-            <a:r>
-              <a:rPr lang="en-US" sz="1050" dirty="0">
-                <a:solidFill>
-                  <a:srgbClr val="7030A0"/>
-                </a:solidFill>
-              </a:rPr>
-              <a:t>Email</a:t>
-            </a:r>
-            <a:endParaRPr lang="en-SG" sz="1050" dirty="0">
-              <a:solidFill>
-                <a:srgbClr val="7030A0"/>
-              </a:solidFill>
-            </a:endParaRPr>
-          </a:p>
-        </p:txBody>
-      </p:sp>
-      <p:cxnSp>
-        <p:nvCxnSpPr>
-          <p:cNvPr id="84" name="Elbow Connector 83"/>
-          <p:cNvCxnSpPr>
-            <a:stCxn id="78" idx="3"/>
-            <a:endCxn id="83" idx="1"/>
-          </p:cNvCxnSpPr>
-          <p:nvPr/>
-        </p:nvCxnSpPr>
-        <p:spPr>
-          <a:xfrm>
-            <a:off x="7277995" y="3034891"/>
-            <a:ext cx="434402" cy="318195"/>
-          </a:xfrm>
-          <a:prstGeom prst="bentConnector3">
-            <a:avLst/>
-          </a:prstGeom>
-          <a:ln w="19050">
-            <a:solidFill>
-              <a:srgbClr val="7030A0"/>
-            </a:solidFill>
-            <a:headEnd type="none" w="med" len="med"/>
-            <a:tailEnd type="arrow" w="med" len="med"/>
-          </a:ln>
-          <a:effectLst/>
-        </p:spPr>
-        <p:style>
-          <a:lnRef idx="1">
-            <a:schemeClr val="accent2"/>
-          </a:lnRef>
-          <a:fillRef idx="2">
-            <a:schemeClr val="accent2"/>
-          </a:fillRef>
-          <a:effectRef idx="1">
-            <a:schemeClr val="accent2"/>
-          </a:effectRef>
-          <a:fontRef idx="minor">
-            <a:schemeClr val="dk1"/>
-          </a:fontRef>
-        </p:style>
-      </p:cxnSp>
-      <p:sp>
-        <p:nvSpPr>
-          <p:cNvPr id="85" name="Rectangle 8"/>
-          <p:cNvSpPr/>
-          <p:nvPr/>
-        </p:nvSpPr>
-        <p:spPr>
-          <a:xfrm>
-            <a:off x="7712397" y="3533171"/>
-            <a:ext cx="708186" cy="285783"/>
-          </a:xfrm>
-          <a:prstGeom prst="rect">
-            <a:avLst/>
-          </a:prstGeom>
-          <a:ln w="19050">
-            <a:solidFill>
-              <a:srgbClr val="7030A0"/>
-            </a:solidFill>
-          </a:ln>
-          <a:effectLst/>
-        </p:spPr>
-        <p:style>
-          <a:lnRef idx="1">
-            <a:schemeClr val="accent4"/>
-          </a:lnRef>
-          <a:fillRef idx="2">
-            <a:schemeClr val="accent4"/>
-          </a:fillRef>
-          <a:effectRef idx="1">
-            <a:schemeClr val="accent4"/>
-          </a:effectRef>
-          <a:fontRef idx="minor">
-            <a:schemeClr val="dk1"/>
-          </a:fontRef>
-        </p:style>
-        <p:txBody>
-          <a:bodyPr rtlCol="0" anchor="ctr"/>
-          <a:lstStyle/>
-          <a:p>
-            <a:pPr algn="ctr"/>
-            <a:r>
-              <a:rPr lang="en-US" sz="1050" dirty="0">
-                <a:solidFill>
-                  <a:srgbClr val="7030A0"/>
-                </a:solidFill>
-              </a:rPr>
-              <a:t>Address</a:t>
-            </a:r>
-            <a:endParaRPr lang="en-SG" sz="1050" dirty="0">
-              <a:solidFill>
-                <a:srgbClr val="7030A0"/>
-              </a:solidFill>
-            </a:endParaRPr>
-          </a:p>
-        </p:txBody>
-      </p:sp>
-      <p:cxnSp>
-        <p:nvCxnSpPr>
-          <p:cNvPr id="86" name="Elbow Connector 85"/>
-          <p:cNvCxnSpPr>
-            <a:stCxn id="78" idx="3"/>
-            <a:endCxn id="85" idx="1"/>
-          </p:cNvCxnSpPr>
-          <p:nvPr/>
-        </p:nvCxnSpPr>
-        <p:spPr>
-          <a:xfrm>
-            <a:off x="7277995" y="3034891"/>
-            <a:ext cx="434402" cy="641172"/>
-          </a:xfrm>
-          <a:prstGeom prst="bentConnector3">
-            <a:avLst/>
-          </a:prstGeom>
-          <a:ln w="19050">
-            <a:solidFill>
-              <a:srgbClr val="7030A0"/>
-            </a:solidFill>
-            <a:headEnd type="none" w="med" len="med"/>
-            <a:tailEnd type="arrow" w="med" len="med"/>
-          </a:ln>
-          <a:effectLst/>
-        </p:spPr>
-        <p:style>
-          <a:lnRef idx="1">
-            <a:schemeClr val="accent2"/>
-          </a:lnRef>
-          <a:fillRef idx="2">
-            <a:schemeClr val="accent2"/>
-          </a:fillRef>
-          <a:effectRef idx="1">
-            <a:schemeClr val="accent2"/>
-          </a:effectRef>
-          <a:fontRef idx="minor">
-            <a:schemeClr val="dk1"/>
-          </a:fontRef>
-        </p:style>
-      </p:cxnSp>
-      <p:sp>
-        <p:nvSpPr>
-          <p:cNvPr id="114" name="TextBox 113"/>
-          <p:cNvSpPr txBox="1"/>
-          <p:nvPr/>
-        </p:nvSpPr>
-        <p:spPr>
-          <a:xfrm rot="16200000">
-            <a:off x="6362886" y="3586305"/>
-            <a:ext cx="881018" cy="261610"/>
-          </a:xfrm>
-          <a:prstGeom prst="rect">
-            <a:avLst/>
-          </a:prstGeom>
-          <a:noFill/>
-        </p:spPr>
-        <p:txBody>
-          <a:bodyPr wrap="square" rtlCol="0">
-            <a:spAutoFit/>
-          </a:bodyPr>
-          <a:lstStyle/>
-          <a:p>
-            <a:pPr algn="r"/>
-            <a:r>
-              <a:rPr lang="en-US" sz="1100" dirty="0">
-                <a:solidFill>
-                  <a:srgbClr val="7030A0"/>
-                </a:solidFill>
-              </a:rPr>
-              <a:t>filtered list</a:t>
-            </a:r>
-            <a:endParaRPr lang="en-SG" sz="1100" dirty="0">
-              <a:solidFill>
-                <a:srgbClr val="7030A0"/>
-              </a:solidFill>
-            </a:endParaRPr>
-          </a:p>
-        </p:txBody>
-      </p:sp>
-      <p:sp>
-        <p:nvSpPr>
-          <p:cNvPr id="122" name="Rectangle 8"/>
-          <p:cNvSpPr/>
-          <p:nvPr/>
-        </p:nvSpPr>
-        <p:spPr>
-          <a:xfrm>
-            <a:off x="2057401" y="4239491"/>
-            <a:ext cx="1066800" cy="346760"/>
-          </a:xfrm>
-          <a:prstGeom prst="rect">
-            <a:avLst/>
-          </a:prstGeom>
-          <a:ln w="19050">
-            <a:solidFill>
-              <a:srgbClr val="7030A0"/>
-            </a:solidFill>
-          </a:ln>
-          <a:effectLst/>
-        </p:spPr>
-        <p:style>
-          <a:lnRef idx="1">
-            <a:schemeClr val="accent4"/>
-          </a:lnRef>
-          <a:fillRef idx="2">
-            <a:schemeClr val="accent4"/>
-          </a:fillRef>
-          <a:effectRef idx="1">
-            <a:schemeClr val="accent4"/>
-          </a:effectRef>
-          <a:fontRef idx="minor">
-            <a:schemeClr val="dk1"/>
-          </a:fontRef>
-        </p:style>
-        <p:txBody>
-          <a:bodyPr rtlCol="0" anchor="ctr"/>
-          <a:lstStyle/>
-          <a:p>
-            <a:pPr algn="ctr"/>
-            <a:r>
-              <a:rPr lang="en-US" sz="1050" dirty="0">
-                <a:solidFill>
-                  <a:srgbClr val="7030A0"/>
-                </a:solidFill>
-              </a:rPr>
-              <a:t>&lt;&lt;interface&gt;&gt;</a:t>
-            </a:r>
-            <a:r>
-              <a:rPr lang="en-US" sz="1050">
-                <a:solidFill>
-                  <a:srgbClr val="7030A0"/>
-                </a:solidFill>
-              </a:rPr>
-              <a:t/>
-            </a:r>
-            <a:br>
-              <a:rPr lang="en-US" sz="1050">
-                <a:solidFill>
-                  <a:srgbClr val="7030A0"/>
-                </a:solidFill>
-              </a:rPr>
-            </a:br>
-            <a:r>
-              <a:rPr lang="en-US" sz="1050" dirty="0" err="1">
-                <a:solidFill>
-                  <a:srgbClr val="7030A0"/>
-                </a:solidFill>
-              </a:rPr>
-              <a:t>ObservableList</a:t>
-            </a:r>
-            <a:endParaRPr lang="en-SG" sz="1050" dirty="0">
-              <a:solidFill>
-                <a:srgbClr val="7030A0"/>
-              </a:solidFill>
-            </a:endParaRPr>
-          </a:p>
-        </p:txBody>
-      </p:sp>
-      <p:cxnSp>
-        <p:nvCxnSpPr>
-          <p:cNvPr id="124" name="Elbow Connector 122"/>
-          <p:cNvCxnSpPr>
-            <a:stCxn id="119" idx="1"/>
-            <a:endCxn id="122" idx="1"/>
-          </p:cNvCxnSpPr>
-          <p:nvPr/>
-        </p:nvCxnSpPr>
-        <p:spPr>
-          <a:xfrm rot="16200000" flipH="1">
-            <a:off x="1364475" y="3719944"/>
-            <a:ext cx="831471" cy="554381"/>
-          </a:xfrm>
-          <a:prstGeom prst="bentConnector2">
-            <a:avLst/>
-          </a:prstGeom>
-          <a:ln w="19050">
-            <a:solidFill>
-              <a:srgbClr val="7030A0"/>
-            </a:solidFill>
-            <a:prstDash val="sysDot"/>
-            <a:headEnd type="none" w="med" len="med"/>
-            <a:tailEnd type="arrow" w="med" len="med"/>
-          </a:ln>
-          <a:effectLst/>
-        </p:spPr>
-        <p:style>
-          <a:lnRef idx="1">
-            <a:schemeClr val="accent2"/>
-          </a:lnRef>
-          <a:fillRef idx="2">
-            <a:schemeClr val="accent2"/>
-          </a:fillRef>
-          <a:effectRef idx="1">
-            <a:schemeClr val="accent2"/>
-          </a:effectRef>
-          <a:fontRef idx="minor">
-            <a:schemeClr val="dk1"/>
-          </a:fontRef>
-        </p:style>
-      </p:cxnSp>
-      <p:sp>
-        <p:nvSpPr>
-          <p:cNvPr id="54" name="TextBox 53"/>
-          <p:cNvSpPr txBox="1"/>
-          <p:nvPr/>
-        </p:nvSpPr>
-        <p:spPr>
-          <a:xfrm>
-            <a:off x="4324972" y="3058864"/>
-            <a:ext cx="189257" cy="178683"/>
-          </a:xfrm>
-          <a:prstGeom prst="rect">
-            <a:avLst/>
-          </a:prstGeom>
-          <a:noFill/>
-        </p:spPr>
-        <p:txBody>
-          <a:bodyPr wrap="square" lIns="0" tIns="0" rIns="0" bIns="0" rtlCol="0">
-            <a:noAutofit/>
-          </a:bodyPr>
-          <a:lstStyle/>
-          <a:p>
-            <a:pPr algn="ctr"/>
-            <a:r>
-              <a:rPr lang="en-US" sz="1100" dirty="0">
-                <a:solidFill>
-                  <a:srgbClr val="7030A0"/>
-                </a:solidFill>
-              </a:rPr>
-              <a:t>1</a:t>
-            </a:r>
-            <a:endParaRPr lang="en-SG" sz="1100" dirty="0">
-              <a:solidFill>
-                <a:srgbClr val="7030A0"/>
-              </a:solidFill>
-            </a:endParaRPr>
-          </a:p>
-        </p:txBody>
-      </p:sp>
-      <p:sp>
-        <p:nvSpPr>
-          <p:cNvPr id="61" name="TextBox 60"/>
-          <p:cNvSpPr txBox="1"/>
-          <p:nvPr/>
-        </p:nvSpPr>
-        <p:spPr>
-          <a:xfrm>
-            <a:off x="6135256" y="3097917"/>
-            <a:ext cx="189257" cy="178683"/>
-          </a:xfrm>
-          <a:prstGeom prst="rect">
-            <a:avLst/>
-          </a:prstGeom>
-          <a:noFill/>
-        </p:spPr>
-        <p:txBody>
-          <a:bodyPr wrap="square" lIns="0" tIns="0" rIns="0" bIns="0" rtlCol="0">
-            <a:noAutofit/>
-          </a:bodyPr>
-          <a:lstStyle/>
-          <a:p>
-            <a:pPr algn="ctr"/>
-            <a:r>
-              <a:rPr lang="en-US" sz="1100" dirty="0">
-                <a:solidFill>
-                  <a:srgbClr val="7030A0"/>
-                </a:solidFill>
-              </a:rPr>
-              <a:t>*</a:t>
-            </a:r>
-            <a:endParaRPr lang="en-SG" sz="1100" dirty="0">
-              <a:solidFill>
-                <a:srgbClr val="7030A0"/>
-              </a:solidFill>
-            </a:endParaRPr>
-          </a:p>
-        </p:txBody>
-      </p:sp>
-      <p:sp>
-        <p:nvSpPr>
-          <p:cNvPr id="65" name="TextBox 64"/>
-          <p:cNvSpPr txBox="1"/>
-          <p:nvPr/>
-        </p:nvSpPr>
-        <p:spPr>
-          <a:xfrm>
-            <a:off x="2560167" y="2753818"/>
-            <a:ext cx="78378" cy="193767"/>
-          </a:xfrm>
-          <a:prstGeom prst="rect">
-            <a:avLst/>
-          </a:prstGeom>
-          <a:noFill/>
-        </p:spPr>
-        <p:txBody>
-          <a:bodyPr wrap="square" lIns="0" tIns="0" rIns="0" bIns="0" rtlCol="0">
-            <a:noAutofit/>
-          </a:bodyPr>
-          <a:lstStyle/>
-          <a:p>
-            <a:pPr algn="ctr"/>
-            <a:r>
-              <a:rPr lang="en-US" sz="1100" dirty="0">
-                <a:solidFill>
-                  <a:srgbClr val="7030A0"/>
-                </a:solidFill>
-              </a:rPr>
-              <a:t>1</a:t>
-            </a:r>
-            <a:endParaRPr lang="en-SG" sz="1100" dirty="0">
-              <a:solidFill>
-                <a:srgbClr val="7030A0"/>
-              </a:solidFill>
-            </a:endParaRPr>
-          </a:p>
-        </p:txBody>
-      </p:sp>
-      <p:sp>
-        <p:nvSpPr>
-          <p:cNvPr id="66" name="TextBox 65"/>
-          <p:cNvSpPr txBox="1"/>
-          <p:nvPr/>
-        </p:nvSpPr>
-        <p:spPr>
-          <a:xfrm>
-            <a:off x="2707070" y="3667737"/>
-            <a:ext cx="189257" cy="178683"/>
-          </a:xfrm>
-          <a:prstGeom prst="rect">
-            <a:avLst/>
-          </a:prstGeom>
-          <a:noFill/>
-        </p:spPr>
-        <p:txBody>
-          <a:bodyPr wrap="square" lIns="0" tIns="0" rIns="0" bIns="0" rtlCol="0">
-            <a:noAutofit/>
-          </a:bodyPr>
-          <a:lstStyle/>
-          <a:p>
-            <a:pPr algn="ctr"/>
-            <a:r>
-              <a:rPr lang="en-US" sz="1100" dirty="0">
-                <a:solidFill>
-                  <a:srgbClr val="7030A0"/>
-                </a:solidFill>
-              </a:rPr>
-              <a:t>1</a:t>
-            </a:r>
-            <a:endParaRPr lang="en-SG" sz="1100" dirty="0">
-              <a:solidFill>
-                <a:srgbClr val="7030A0"/>
-              </a:solidFill>
-            </a:endParaRPr>
-          </a:p>
-        </p:txBody>
-      </p:sp>
-      <p:sp>
-        <p:nvSpPr>
-          <p:cNvPr id="70" name="TextBox 69"/>
-          <p:cNvSpPr txBox="1"/>
-          <p:nvPr/>
-        </p:nvSpPr>
-        <p:spPr>
-          <a:xfrm>
-            <a:off x="6449896" y="3204826"/>
-            <a:ext cx="189257" cy="178683"/>
-          </a:xfrm>
-          <a:prstGeom prst="rect">
-            <a:avLst/>
-          </a:prstGeom>
-          <a:noFill/>
-        </p:spPr>
-        <p:txBody>
-          <a:bodyPr wrap="square" lIns="0" tIns="0" rIns="0" bIns="0" rtlCol="0">
-            <a:noAutofit/>
-          </a:bodyPr>
-          <a:lstStyle/>
-          <a:p>
-            <a:pPr algn="ctr"/>
-            <a:r>
-              <a:rPr lang="en-US" sz="1100" dirty="0">
-                <a:solidFill>
-                  <a:srgbClr val="7030A0"/>
-                </a:solidFill>
-              </a:rPr>
-              <a:t>1</a:t>
-            </a:r>
-            <a:endParaRPr lang="en-SG" sz="1100" dirty="0">
-              <a:solidFill>
-                <a:srgbClr val="7030A0"/>
-              </a:solidFill>
-            </a:endParaRPr>
-          </a:p>
-        </p:txBody>
-      </p:sp>
-      <p:sp>
-        <p:nvSpPr>
-          <p:cNvPr id="52" name="Rectangle 8">
-            <a:extLst>
-              <a:ext uri="{FF2B5EF4-FFF2-40B4-BE49-F238E27FC236}">
-                <a16:creationId xmlns:a16="http://schemas.microsoft.com/office/drawing/2014/main" id="{ABDCDBD2-131A-4B66-A2F2-43BBEE82C773}"/>
-              </a:ext>
-            </a:extLst>
-          </p:cNvPr>
-          <p:cNvSpPr/>
-          <p:nvPr/>
-        </p:nvSpPr>
-        <p:spPr>
-          <a:xfrm>
-            <a:off x="4755872" y="2206861"/>
-            <a:ext cx="1156969" cy="285783"/>
-          </a:xfrm>
-          <a:prstGeom prst="rect">
-            <a:avLst/>
-          </a:prstGeom>
-          <a:ln w="19050">
-            <a:solidFill>
-              <a:srgbClr val="7030A0"/>
-            </a:solidFill>
-          </a:ln>
-          <a:effectLst/>
-        </p:spPr>
-        <p:style>
-          <a:lnRef idx="1">
-            <a:schemeClr val="accent4"/>
-          </a:lnRef>
-          <a:fillRef idx="2">
-            <a:schemeClr val="accent4"/>
-          </a:fillRef>
-          <a:effectRef idx="1">
-            <a:schemeClr val="accent4"/>
-          </a:effectRef>
-          <a:fontRef idx="minor">
-            <a:schemeClr val="dk1"/>
-          </a:fontRef>
-        </p:style>
-        <p:txBody>
-          <a:bodyPr rtlCol="0" anchor="ctr"/>
-          <a:lstStyle/>
-          <a:p>
-            <a:pPr algn="ctr"/>
-            <a:r>
-              <a:rPr lang="en-US" sz="1050" dirty="0" err="1">
-                <a:solidFill>
-                  <a:srgbClr val="7030A0"/>
-                </a:solidFill>
-              </a:rPr>
-              <a:t>UniqueTagList</a:t>
-            </a:r>
-            <a:endParaRPr lang="en-SG" sz="1050" dirty="0">
-              <a:solidFill>
-                <a:srgbClr val="7030A0"/>
-              </a:solidFill>
-            </a:endParaRPr>
-          </a:p>
-        </p:txBody>
-      </p:sp>
-      <p:cxnSp>
-        <p:nvCxnSpPr>
-          <p:cNvPr id="53" name="Elbow Connector 78">
-            <a:extLst>
-              <a:ext uri="{FF2B5EF4-FFF2-40B4-BE49-F238E27FC236}">
-                <a16:creationId xmlns:a16="http://schemas.microsoft.com/office/drawing/2014/main" id="{B97967F8-618A-448B-81FD-CDFD4AF0EC64}"/>
-              </a:ext>
-            </a:extLst>
-          </p:cNvPr>
-          <p:cNvCxnSpPr>
-            <a:cxnSpLocks/>
-            <a:stCxn id="54" idx="0"/>
-            <a:endCxn id="52" idx="1"/>
-          </p:cNvCxnSpPr>
-          <p:nvPr/>
-        </p:nvCxnSpPr>
-        <p:spPr>
-          <a:xfrm rot="5400000" flipH="1" flipV="1">
-            <a:off x="4233181" y="2536174"/>
-            <a:ext cx="709111" cy="336271"/>
-          </a:xfrm>
-          <a:prstGeom prst="bentConnector2">
-            <a:avLst/>
-          </a:prstGeom>
-          <a:ln w="19050">
-            <a:solidFill>
-              <a:srgbClr val="7030A0"/>
-            </a:solidFill>
-            <a:headEnd type="none" w="med" len="med"/>
-            <a:tailEnd type="arrow" w="med" len="med"/>
-          </a:ln>
-          <a:effectLst/>
-        </p:spPr>
-        <p:style>
-          <a:lnRef idx="1">
-            <a:schemeClr val="accent2"/>
-          </a:lnRef>
-          <a:fillRef idx="2">
-            <a:schemeClr val="accent2"/>
-          </a:fillRef>
-          <a:effectRef idx="1">
-            <a:schemeClr val="accent2"/>
-          </a:effectRef>
-          <a:fontRef idx="minor">
-            <a:schemeClr val="dk1"/>
-          </a:fontRef>
-        </p:style>
-      </p:cxnSp>
-      <p:sp>
-        <p:nvSpPr>
-          <p:cNvPr id="50" name="TextBox 49">
-            <a:extLst>
-              <a:ext uri="{FF2B5EF4-FFF2-40B4-BE49-F238E27FC236}">
-                <a16:creationId xmlns:a16="http://schemas.microsoft.com/office/drawing/2014/main" id="{B3FA9D57-880F-49C4-AD0B-A64E30D6F403}"/>
-              </a:ext>
-            </a:extLst>
-          </p:cNvPr>
-          <p:cNvSpPr txBox="1"/>
-          <p:nvPr/>
-        </p:nvSpPr>
-        <p:spPr>
-          <a:xfrm>
-            <a:off x="6714344" y="2430721"/>
-            <a:ext cx="189257" cy="178683"/>
-          </a:xfrm>
-          <a:prstGeom prst="rect">
-            <a:avLst/>
-          </a:prstGeom>
-          <a:noFill/>
-        </p:spPr>
-        <p:txBody>
-          <a:bodyPr wrap="square" lIns="0" tIns="0" rIns="0" bIns="0" rtlCol="0">
-            <a:noAutofit/>
-          </a:bodyPr>
-          <a:lstStyle/>
-          <a:p>
-            <a:pPr algn="ctr"/>
-            <a:r>
-              <a:rPr lang="en-US" sz="1100" dirty="0">
-                <a:solidFill>
-                  <a:srgbClr val="7030A0"/>
-                </a:solidFill>
-              </a:rPr>
-              <a:t>*</a:t>
-            </a:r>
-            <a:endParaRPr lang="en-SG" sz="1100" dirty="0">
-              <a:solidFill>
-                <a:srgbClr val="7030A0"/>
-              </a:solidFill>
-            </a:endParaRPr>
-          </a:p>
-        </p:txBody>
-      </p:sp>
-      <p:sp>
-        <p:nvSpPr>
-          <p:cNvPr id="55" name="Flowchart: Decision 96">
-            <a:extLst>
-              <a:ext uri="{FF2B5EF4-FFF2-40B4-BE49-F238E27FC236}">
-                <a16:creationId xmlns:a16="http://schemas.microsoft.com/office/drawing/2014/main" id="{B9F96195-942D-4692-91B7-CF34229E7461}"/>
-              </a:ext>
-            </a:extLst>
-          </p:cNvPr>
-          <p:cNvSpPr/>
-          <p:nvPr/>
-        </p:nvSpPr>
-        <p:spPr>
-          <a:xfrm rot="16200000">
-            <a:off x="6553482" y="2664721"/>
-            <a:ext cx="236048" cy="173380"/>
-          </a:xfrm>
-          <a:prstGeom prst="flowChartDecision">
-            <a:avLst/>
-          </a:prstGeom>
-          <a:noFill/>
-          <a:ln w="19050">
-            <a:solidFill>
-              <a:srgbClr val="7030A0"/>
-            </a:solidFill>
-          </a:ln>
-          <a:effectLst/>
-        </p:spPr>
-        <p:style>
-          <a:lnRef idx="1">
-            <a:schemeClr val="accent6"/>
-          </a:lnRef>
-          <a:fillRef idx="2">
-            <a:schemeClr val="accent6"/>
-          </a:fillRef>
-          <a:effectRef idx="1">
-            <a:schemeClr val="accent6"/>
-          </a:effectRef>
-          <a:fontRef idx="minor">
-            <a:schemeClr val="dk1"/>
-          </a:fontRef>
-        </p:style>
-        <p:txBody>
-          <a:bodyPr rtlCol="0" anchor="ctr"/>
-          <a:lstStyle/>
-          <a:p>
-            <a:pPr algn="ctr"/>
-            <a:endParaRPr lang="en-US" sz="1050"/>
-          </a:p>
-        </p:txBody>
-      </p:sp>
-      <p:cxnSp>
-        <p:nvCxnSpPr>
-          <p:cNvPr id="59" name="Elbow Connector 63">
-            <a:extLst>
-              <a:ext uri="{FF2B5EF4-FFF2-40B4-BE49-F238E27FC236}">
-                <a16:creationId xmlns:a16="http://schemas.microsoft.com/office/drawing/2014/main" id="{E2D6A56C-A223-4236-A1F0-7EFEBA2FC940}"/>
-              </a:ext>
-            </a:extLst>
-          </p:cNvPr>
-          <p:cNvCxnSpPr>
-            <a:cxnSpLocks/>
-            <a:endCxn id="67" idx="1"/>
-          </p:cNvCxnSpPr>
-          <p:nvPr/>
-        </p:nvCxnSpPr>
-        <p:spPr>
-          <a:xfrm flipV="1">
-            <a:off x="5884280" y="2233006"/>
-            <a:ext cx="432916" cy="111294"/>
-          </a:xfrm>
-          <a:prstGeom prst="bentConnector3">
-            <a:avLst/>
-          </a:prstGeom>
-          <a:ln w="19050">
-            <a:solidFill>
-              <a:srgbClr val="7030A0"/>
-            </a:solidFill>
-            <a:headEnd type="none" w="med" len="med"/>
-            <a:tailEnd type="arrow" w="med" len="med"/>
-          </a:ln>
-          <a:effectLst/>
-        </p:spPr>
-        <p:style>
-          <a:lnRef idx="1">
-            <a:schemeClr val="accent2"/>
-          </a:lnRef>
-          <a:fillRef idx="2">
-            <a:schemeClr val="accent2"/>
-          </a:fillRef>
-          <a:effectRef idx="1">
-            <a:schemeClr val="accent2"/>
-          </a:effectRef>
-          <a:fontRef idx="minor">
-            <a:schemeClr val="dk1"/>
-          </a:fontRef>
-        </p:style>
-      </p:cxnSp>
-      <p:sp>
-        <p:nvSpPr>
-          <p:cNvPr id="67" name="Rectangle 8">
-            <a:extLst>
-              <a:ext uri="{FF2B5EF4-FFF2-40B4-BE49-F238E27FC236}">
-                <a16:creationId xmlns:a16="http://schemas.microsoft.com/office/drawing/2014/main" id="{36D68104-33BB-4C8F-B764-F3F0B25E592B}"/>
-              </a:ext>
-            </a:extLst>
-          </p:cNvPr>
-          <p:cNvSpPr/>
-          <p:nvPr/>
-        </p:nvSpPr>
-        <p:spPr>
-          <a:xfrm>
-            <a:off x="6317196" y="2059626"/>
-            <a:ext cx="708186" cy="346760"/>
-          </a:xfrm>
-          <a:prstGeom prst="rect">
-            <a:avLst/>
-          </a:prstGeom>
-          <a:ln w="19050">
-            <a:solidFill>
-              <a:srgbClr val="7030A0"/>
-            </a:solidFill>
-          </a:ln>
-          <a:effectLst/>
-        </p:spPr>
-        <p:style>
-          <a:lnRef idx="1">
-            <a:schemeClr val="accent4"/>
-          </a:lnRef>
-          <a:fillRef idx="2">
-            <a:schemeClr val="accent4"/>
-          </a:fillRef>
-          <a:effectRef idx="1">
-            <a:schemeClr val="accent4"/>
-          </a:effectRef>
-          <a:fontRef idx="minor">
-            <a:schemeClr val="dk1"/>
-          </a:fontRef>
-        </p:style>
-        <p:txBody>
-          <a:bodyPr rtlCol="0" anchor="ctr"/>
-          <a:lstStyle/>
-          <a:p>
-            <a:pPr algn="ctr"/>
-            <a:r>
-              <a:rPr lang="en-US" sz="1050" dirty="0">
-                <a:solidFill>
-                  <a:srgbClr val="7030A0"/>
-                </a:solidFill>
-              </a:rPr>
-              <a:t>Tag</a:t>
-            </a:r>
-            <a:endParaRPr lang="en-SG" sz="1050" dirty="0">
-              <a:solidFill>
-                <a:srgbClr val="7030A0"/>
-              </a:solidFill>
-            </a:endParaRPr>
-          </a:p>
-        </p:txBody>
-      </p:sp>
-      <p:sp>
-        <p:nvSpPr>
-          <p:cNvPr id="68" name="TextBox 67">
-            <a:extLst>
-              <a:ext uri="{FF2B5EF4-FFF2-40B4-BE49-F238E27FC236}">
-                <a16:creationId xmlns:a16="http://schemas.microsoft.com/office/drawing/2014/main" id="{18A2ABF0-4DA8-43EE-BACE-A737C4E4CFEC}"/>
-              </a:ext>
-            </a:extLst>
-          </p:cNvPr>
-          <p:cNvSpPr txBox="1"/>
-          <p:nvPr/>
-        </p:nvSpPr>
-        <p:spPr>
-          <a:xfrm>
-            <a:off x="6135256" y="2278014"/>
-            <a:ext cx="189257" cy="178683"/>
-          </a:xfrm>
-          <a:prstGeom prst="rect">
-            <a:avLst/>
-          </a:prstGeom>
-          <a:noFill/>
-        </p:spPr>
-        <p:txBody>
-          <a:bodyPr wrap="square" lIns="0" tIns="0" rIns="0" bIns="0" rtlCol="0">
-            <a:noAutofit/>
-          </a:bodyPr>
-          <a:lstStyle/>
-          <a:p>
-            <a:pPr algn="ctr"/>
-            <a:r>
-              <a:rPr lang="en-US" sz="1100" dirty="0">
-                <a:solidFill>
-                  <a:srgbClr val="7030A0"/>
-                </a:solidFill>
-              </a:rPr>
-              <a:t>*</a:t>
-            </a:r>
-            <a:endParaRPr lang="en-SG" sz="1100" dirty="0">
-              <a:solidFill>
-                <a:srgbClr val="7030A0"/>
-              </a:solidFill>
-            </a:endParaRPr>
-          </a:p>
-        </p:txBody>
-      </p:sp>
-      <p:sp>
-        <p:nvSpPr>
-          <p:cNvPr id="69" name="TextBox 68">
-            <a:extLst>
-              <a:ext uri="{FF2B5EF4-FFF2-40B4-BE49-F238E27FC236}">
-                <a16:creationId xmlns:a16="http://schemas.microsoft.com/office/drawing/2014/main" id="{8CF9406A-39C7-4163-8880-BB65541FC08E}"/>
-              </a:ext>
-            </a:extLst>
-          </p:cNvPr>
-          <p:cNvSpPr txBox="1"/>
-          <p:nvPr/>
-        </p:nvSpPr>
-        <p:spPr>
-          <a:xfrm>
-            <a:off x="4367100" y="2172972"/>
-            <a:ext cx="189257" cy="178683"/>
-          </a:xfrm>
-          <a:prstGeom prst="rect">
-            <a:avLst/>
-          </a:prstGeom>
-          <a:noFill/>
-        </p:spPr>
-        <p:txBody>
-          <a:bodyPr wrap="square" lIns="0" tIns="0" rIns="0" bIns="0" rtlCol="0">
-            <a:noAutofit/>
-          </a:bodyPr>
-          <a:lstStyle/>
-          <a:p>
-            <a:pPr algn="ctr"/>
-            <a:r>
-              <a:rPr lang="en-US" sz="1100" dirty="0">
-                <a:solidFill>
-                  <a:srgbClr val="7030A0"/>
-                </a:solidFill>
-              </a:rPr>
-              <a:t>1</a:t>
-            </a:r>
-            <a:endParaRPr lang="en-SG" sz="1100" dirty="0">
-              <a:solidFill>
-                <a:srgbClr val="7030A0"/>
-              </a:solidFill>
-            </a:endParaRPr>
-          </a:p>
-        </p:txBody>
-      </p:sp>
-      <p:sp>
-        <p:nvSpPr>
-          <p:cNvPr id="71" name="Flowchart: Decision 96">
-            <a:extLst>
-              <a:ext uri="{FF2B5EF4-FFF2-40B4-BE49-F238E27FC236}">
-                <a16:creationId xmlns:a16="http://schemas.microsoft.com/office/drawing/2014/main" id="{233007D4-EEA2-4CA6-ACFE-1517B654224E}"/>
-              </a:ext>
-            </a:extLst>
-          </p:cNvPr>
-          <p:cNvSpPr/>
-          <p:nvPr/>
-        </p:nvSpPr>
-        <p:spPr>
-          <a:xfrm>
-            <a:off x="5911329" y="2262081"/>
-            <a:ext cx="236048" cy="173380"/>
-          </a:xfrm>
-          <a:prstGeom prst="flowChartDecision">
-            <a:avLst/>
-          </a:prstGeom>
-          <a:solidFill>
-            <a:srgbClr val="7030A0"/>
-          </a:solidFill>
-          <a:ln w="19050">
-            <a:solidFill>
-              <a:srgbClr val="7030A0"/>
-            </a:solidFill>
-          </a:ln>
-          <a:effectLst/>
-        </p:spPr>
-        <p:style>
-          <a:lnRef idx="1">
-            <a:schemeClr val="accent6"/>
-          </a:lnRef>
-          <a:fillRef idx="2">
-            <a:schemeClr val="accent6"/>
-          </a:fillRef>
-          <a:effectRef idx="1">
-            <a:schemeClr val="accent6"/>
-          </a:effectRef>
-          <a:fontRef idx="minor">
-            <a:schemeClr val="dk1"/>
-          </a:fontRef>
-        </p:style>
-        <p:txBody>
-          <a:bodyPr rtlCol="0" anchor="ctr"/>
-          <a:lstStyle/>
-          <a:p>
-            <a:pPr algn="ctr"/>
-            <a:endParaRPr lang="en-US" sz="1050"/>
-          </a:p>
-        </p:txBody>
-      </p:sp>
-      <p:cxnSp>
-        <p:nvCxnSpPr>
-          <p:cNvPr id="72" name="Elbow Connector 78">
-            <a:extLst>
-              <a:ext uri="{FF2B5EF4-FFF2-40B4-BE49-F238E27FC236}">
-                <a16:creationId xmlns:a16="http://schemas.microsoft.com/office/drawing/2014/main" id="{D5DFB8C5-B0B0-46C1-967B-4449112ABD6F}"/>
-              </a:ext>
-            </a:extLst>
-          </p:cNvPr>
-          <p:cNvCxnSpPr>
-            <a:cxnSpLocks/>
-            <a:stCxn id="55" idx="3"/>
-            <a:endCxn id="67" idx="2"/>
-          </p:cNvCxnSpPr>
-          <p:nvPr/>
-        </p:nvCxnSpPr>
-        <p:spPr>
-          <a:xfrm rot="16200000" flipV="1">
-            <a:off x="6557898" y="2519778"/>
-            <a:ext cx="227001" cy="217"/>
-          </a:xfrm>
-          <a:prstGeom prst="bentConnector3">
-            <a:avLst>
-              <a:gd name="adj1" fmla="val 50000"/>
-            </a:avLst>
-          </a:prstGeom>
-          <a:ln w="19050">
-            <a:solidFill>
-              <a:srgbClr val="7030A0"/>
-            </a:solidFill>
-            <a:headEnd type="none" w="med" len="med"/>
-            <a:tailEnd type="arrow" w="med" len="med"/>
-          </a:ln>
-          <a:effectLst/>
-        </p:spPr>
-        <p:style>
-          <a:lnRef idx="1">
-            <a:schemeClr val="accent2"/>
-          </a:lnRef>
-          <a:fillRef idx="2">
-            <a:schemeClr val="accent2"/>
-          </a:fillRef>
-          <a:effectRef idx="1">
-            <a:schemeClr val="accent2"/>
-          </a:effectRef>
-          <a:fontRef idx="minor">
-            <a:schemeClr val="dk1"/>
-          </a:fontRef>
-        </p:style>
-      </p:cxnSp>
-      <p:cxnSp>
-        <p:nvCxnSpPr>
-          <p:cNvPr id="90" name="Elbow Connector 63"/>
-          <p:cNvCxnSpPr>
-            <a:stCxn id="91" idx="3"/>
-          </p:cNvCxnSpPr>
-          <p:nvPr/>
-        </p:nvCxnSpPr>
-        <p:spPr>
-          <a:xfrm rot="5400000">
-            <a:off x="3470636" y="2687353"/>
-            <a:ext cx="293825" cy="5938"/>
-          </a:xfrm>
-          <a:prstGeom prst="bentConnector3">
-            <a:avLst>
-              <a:gd name="adj1" fmla="val 50000"/>
-            </a:avLst>
-          </a:prstGeom>
-          <a:ln w="19050">
-            <a:solidFill>
-              <a:srgbClr val="7030A0"/>
-            </a:solidFill>
-            <a:prstDash val="sysDot"/>
-            <a:headEnd type="none" w="med" len="med"/>
-            <a:tailEnd type="none" w="med" len="med"/>
-          </a:ln>
-          <a:effectLst/>
-        </p:spPr>
-        <p:style>
-          <a:lnRef idx="1">
-            <a:schemeClr val="accent2"/>
-          </a:lnRef>
-          <a:fillRef idx="2">
-            <a:schemeClr val="accent2"/>
-          </a:fillRef>
-          <a:effectRef idx="1">
-            <a:schemeClr val="accent2"/>
-          </a:effectRef>
-          <a:fontRef idx="minor">
-            <a:schemeClr val="dk1"/>
-          </a:fontRef>
-        </p:style>
-      </p:cxnSp>
-      <p:sp>
-        <p:nvSpPr>
-          <p:cNvPr id="91" name="Isosceles Triangle 102"/>
-          <p:cNvSpPr/>
-          <p:nvPr/>
-        </p:nvSpPr>
-        <p:spPr>
-          <a:xfrm rot="10800000" flipV="1">
-            <a:off x="3479324" y="2386348"/>
-            <a:ext cx="282387" cy="157062"/>
-          </a:xfrm>
-          <a:prstGeom prst="triangle">
-            <a:avLst/>
-          </a:prstGeom>
-          <a:ln w="19050">
-            <a:solidFill>
-              <a:srgbClr val="7030A0"/>
-            </a:solidFill>
-          </a:ln>
-          <a:effectLst/>
-        </p:spPr>
-        <p:style>
-          <a:lnRef idx="1">
-            <a:schemeClr val="accent4"/>
-          </a:lnRef>
-          <a:fillRef idx="2">
-            <a:schemeClr val="accent4"/>
-          </a:fillRef>
-          <a:effectRef idx="1">
-            <a:schemeClr val="accent4"/>
-          </a:effectRef>
-          <a:fontRef idx="minor">
-            <a:schemeClr val="dk1"/>
-          </a:fontRef>
-        </p:style>
-        <p:txBody>
-          <a:bodyPr rtlCol="0" anchor="ctr"/>
-          <a:lstStyle/>
-          <a:p>
-            <a:pPr algn="ctr"/>
-            <a:endParaRPr lang="en-SG" sz="1050" b="1">
-              <a:solidFill>
-                <a:srgbClr val="92D050"/>
-              </a:solidFill>
-            </a:endParaRPr>
-          </a:p>
-        </p:txBody>
-      </p:sp>
-      <p:sp>
-        <p:nvSpPr>
-          <p:cNvPr id="92" name="Rectangle 8"/>
-          <p:cNvSpPr/>
-          <p:nvPr/>
-        </p:nvSpPr>
-        <p:spPr>
-          <a:xfrm>
-            <a:off x="1177947" y="1998144"/>
-            <a:ext cx="1443661" cy="364396"/>
-          </a:xfrm>
-          <a:prstGeom prst="rect">
-            <a:avLst/>
-          </a:prstGeom>
-          <a:ln w="19050">
-            <a:solidFill>
-              <a:srgbClr val="7030A0"/>
-            </a:solidFill>
-          </a:ln>
-          <a:effectLst/>
-        </p:spPr>
-        <p:style>
-          <a:lnRef idx="1">
-            <a:schemeClr val="accent4"/>
-          </a:lnRef>
-          <a:fillRef idx="2">
-            <a:schemeClr val="accent4"/>
-          </a:fillRef>
-          <a:effectRef idx="1">
-            <a:schemeClr val="accent4"/>
-          </a:effectRef>
-          <a:fontRef idx="minor">
-            <a:schemeClr val="dk1"/>
-          </a:fontRef>
-        </p:style>
-        <p:txBody>
-          <a:bodyPr rtlCol="0" anchor="ctr"/>
-          <a:lstStyle/>
-          <a:p>
-            <a:pPr algn="ctr"/>
-            <a:r>
-              <a:rPr lang="en-US" sz="1050" dirty="0">
-                <a:solidFill>
-                  <a:srgbClr val="7030A0"/>
-                </a:solidFill>
-              </a:rPr>
-              <a:t>&lt;&lt;interface&gt;&gt;</a:t>
-            </a:r>
-            <a:br>
-              <a:rPr lang="en-US" sz="1050" dirty="0">
-                <a:solidFill>
-                  <a:srgbClr val="7030A0"/>
-                </a:solidFill>
-              </a:rPr>
-            </a:br>
-            <a:r>
-              <a:rPr lang="en-US" sz="1050" dirty="0" err="1">
-                <a:solidFill>
-                  <a:srgbClr val="7030A0"/>
-                </a:solidFill>
-              </a:rPr>
-              <a:t>ReadOnlyAddressBook</a:t>
-            </a:r>
-            <a:endParaRPr lang="en-SG" sz="1050" dirty="0">
-              <a:solidFill>
-                <a:srgbClr val="7030A0"/>
-              </a:solidFill>
-            </a:endParaRPr>
-          </a:p>
-        </p:txBody>
-      </p:sp>
-      <p:sp>
-        <p:nvSpPr>
-          <p:cNvPr id="93" name="Rectangle 8"/>
-          <p:cNvSpPr/>
-          <p:nvPr/>
-        </p:nvSpPr>
-        <p:spPr>
-          <a:xfrm>
-            <a:off x="3087206" y="1998144"/>
-            <a:ext cx="1060683" cy="364396"/>
-          </a:xfrm>
-          <a:prstGeom prst="rect">
-            <a:avLst/>
-          </a:prstGeom>
-          <a:ln w="19050">
-            <a:solidFill>
-              <a:srgbClr val="7030A0"/>
-            </a:solidFill>
-          </a:ln>
-          <a:effectLst/>
-        </p:spPr>
-        <p:style>
-          <a:lnRef idx="1">
-            <a:schemeClr val="accent4"/>
-          </a:lnRef>
-          <a:fillRef idx="2">
-            <a:schemeClr val="accent4"/>
-          </a:fillRef>
-          <a:effectRef idx="1">
-            <a:schemeClr val="accent4"/>
-          </a:effectRef>
-          <a:fontRef idx="minor">
-            <a:schemeClr val="dk1"/>
-          </a:fontRef>
-        </p:style>
-        <p:txBody>
-          <a:bodyPr rtlCol="0" anchor="ctr"/>
-          <a:lstStyle/>
-          <a:p>
-            <a:pPr algn="ctr"/>
-            <a:r>
-              <a:rPr lang="en-US" sz="1050" dirty="0" err="1">
-                <a:solidFill>
-                  <a:srgbClr val="7030A0"/>
-                </a:solidFill>
-              </a:rPr>
-              <a:t>AddressBook</a:t>
-            </a:r>
-            <a:endParaRPr lang="en-SG" sz="1050" dirty="0">
-              <a:solidFill>
-                <a:srgbClr val="7030A0"/>
-              </a:solidFill>
-            </a:endParaRPr>
-          </a:p>
-        </p:txBody>
-      </p:sp>
-      <p:sp>
-        <p:nvSpPr>
-          <p:cNvPr id="94" name="Isosceles Triangle 102"/>
-          <p:cNvSpPr/>
-          <p:nvPr/>
-        </p:nvSpPr>
-        <p:spPr>
-          <a:xfrm rot="16200000">
-            <a:off x="2586098" y="2068952"/>
-            <a:ext cx="271014" cy="187417"/>
-          </a:xfrm>
-          <a:prstGeom prst="triangle">
-            <a:avLst>
-              <a:gd name="adj" fmla="val 44517"/>
-            </a:avLst>
-          </a:prstGeom>
-          <a:solidFill>
-            <a:schemeClr val="accent4">
-              <a:lumMod val="20000"/>
-              <a:lumOff val="80000"/>
-            </a:schemeClr>
-          </a:solidFill>
-          <a:ln w="19050">
-            <a:solidFill>
-              <a:srgbClr val="7030A0"/>
-            </a:solidFill>
-          </a:ln>
-          <a:effectLst/>
-        </p:spPr>
-        <p:style>
-          <a:lnRef idx="1">
-            <a:schemeClr val="accent6"/>
-          </a:lnRef>
-          <a:fillRef idx="2">
-            <a:schemeClr val="accent6"/>
-          </a:fillRef>
-          <a:effectRef idx="1">
-            <a:schemeClr val="accent6"/>
-          </a:effectRef>
-          <a:fontRef idx="minor">
-            <a:schemeClr val="dk1"/>
-          </a:fontRef>
-        </p:style>
-        <p:txBody>
-          <a:bodyPr rtlCol="0" anchor="ctr"/>
-          <a:lstStyle/>
-          <a:p>
-            <a:pPr algn="ctr"/>
-            <a:endParaRPr lang="en-SG" sz="1050"/>
-          </a:p>
-        </p:txBody>
-      </p:sp>
-      <p:cxnSp>
-        <p:nvCxnSpPr>
-          <p:cNvPr id="95" name="Elbow Connector 63"/>
-          <p:cNvCxnSpPr>
-            <a:stCxn id="94" idx="3"/>
-            <a:endCxn id="93" idx="1"/>
-          </p:cNvCxnSpPr>
-          <p:nvPr/>
-        </p:nvCxnSpPr>
-        <p:spPr>
-          <a:xfrm>
-            <a:off x="2815314" y="2177521"/>
-            <a:ext cx="271892" cy="2821"/>
-          </a:xfrm>
-          <a:prstGeom prst="bentConnector3">
-            <a:avLst>
-              <a:gd name="adj1" fmla="val 50000"/>
-            </a:avLst>
-          </a:prstGeom>
-          <a:ln w="19050">
-            <a:solidFill>
-              <a:srgbClr val="7030A0"/>
-            </a:solidFill>
-            <a:prstDash val="sysDot"/>
-            <a:headEnd type="none" w="med" len="med"/>
-            <a:tailEnd type="none" w="med" len="med"/>
-          </a:ln>
-          <a:effectLst/>
-        </p:spPr>
-        <p:style>
-          <a:lnRef idx="1">
-            <a:schemeClr val="accent2"/>
-          </a:lnRef>
-          <a:fillRef idx="2">
-            <a:schemeClr val="accent2"/>
-          </a:fillRef>
-          <a:effectRef idx="1">
-            <a:schemeClr val="accent2"/>
-          </a:effectRef>
-          <a:fontRef idx="minor">
-            <a:schemeClr val="dk1"/>
-          </a:fontRef>
-        </p:style>
-      </p:cxnSp>
+              <a:headEnd type="none" w="med" len="med"/>
+              <a:tailEnd type="arrow" w="med" len="med"/>
+            </a:ln>
+            <a:effectLst/>
+          </p:spPr>
+          <p:style>
+            <a:lnRef idx="1">
+              <a:schemeClr val="accent2"/>
+            </a:lnRef>
+            <a:fillRef idx="2">
+              <a:schemeClr val="accent2"/>
+            </a:fillRef>
+            <a:effectRef idx="1">
+              <a:schemeClr val="accent2"/>
+            </a:effectRef>
+            <a:fontRef idx="minor">
+              <a:schemeClr val="dk1"/>
+            </a:fontRef>
+          </p:style>
+        </p:cxnSp>
+      </p:grpSp>
     </p:spTree>
     <p:extLst>
       <p:ext uri="{BB962C8B-B14F-4D97-AF65-F5344CB8AC3E}">
